--- a/trunk/preliminary/Working/presentations/Sitara/sitara_boot_camp_toolchain_Ran.pptx
+++ b/trunk/preliminary/Working/presentations/Sitara/sitara_boot_camp_toolchain_Ran.pptx
@@ -228,7 +228,7 @@
           <a:p>
             <a:fld id="{46FA11D8-0245-4A1E-A999-586FC4CBFE82}" type="datetimeFigureOut">
               <a:rPr lang="en-US" smtClean="0"/>
-              <a:t>10/31/2014</a:t>
+              <a:t>11/3/2014</a:t>
             </a:fld>
             <a:endParaRPr lang="en-US" dirty="0"/>
           </a:p>
@@ -2303,7 +2303,7 @@
           <a:p>
             <a:fld id="{A6BC3443-6BCB-4C8E-BDD3-0514E26A3F85}" type="datetimeFigureOut">
               <a:rPr lang="en-US" smtClean="0"/>
-              <a:t>10/31/2014</a:t>
+              <a:t>11/3/2014</a:t>
             </a:fld>
             <a:endParaRPr lang="en-US" dirty="0"/>
           </a:p>
@@ -4764,6 +4764,7 @@
           <a:bodyPr/>
           <a:lstStyle/>
           <a:p>
+            <a:pPr algn="ctr"/>
             <a:r>
               <a:rPr lang="en-US" dirty="0" smtClean="0"/>
               <a:t>Introduction to Tool chains</a:t>
@@ -4861,11 +4862,7 @@
             </a:r>
             <a:r>
               <a:rPr lang="en-US" sz="2800" dirty="0" smtClean="0"/>
-              <a:t>urposes</a:t>
-            </a:r>
-            <a:r>
-              <a:rPr lang="en-US" sz="2800" dirty="0" smtClean="0"/>
-              <a:t>:</a:t>
+              <a:t>urposes:</a:t>
             </a:r>
           </a:p>
           <a:p>
@@ -4906,15 +4903,24 @@
             <a:pPr lvl="1"/>
             <a:r>
               <a:rPr lang="en-US" sz="2400" dirty="0" smtClean="0"/>
-              <a:t>Open a terminal</a:t>
+              <a:t>Go </a:t>
+            </a:r>
+            <a:r>
+              <a:rPr lang="en-US" sz="2400" dirty="0" smtClean="0"/>
+              <a:t>to SDK’s </a:t>
+            </a:r>
+            <a:r>
+              <a:rPr lang="en-US" sz="2400" dirty="0" smtClean="0"/>
+              <a:t>linux-devkit</a:t>
             </a:r>
           </a:p>
           <a:p>
             <a:pPr lvl="1"/>
             <a:r>
               <a:rPr lang="en-US" sz="2400" dirty="0" smtClean="0"/>
-              <a:t>Go to SDK’s linux-devkit</a:t>
-            </a:r>
+              <a:t>Modify the file environment-setup if needed</a:t>
+            </a:r>
+            <a:endParaRPr lang="en-US" sz="2400" dirty="0" smtClean="0"/>
           </a:p>
           <a:p>
             <a:pPr lvl="1"/>
@@ -6363,11 +6369,7 @@
             <a:pPr algn="ctr"/>
             <a:r>
               <a:rPr lang="en-US" dirty="0" smtClean="0"/>
-              <a:t>Compiler </a:t>
-            </a:r>
-            <a:r>
-              <a:rPr lang="en-US" dirty="0" smtClean="0"/>
-              <a:t>Path</a:t>
+              <a:t>Compiler Path</a:t>
             </a:r>
             <a:endParaRPr lang="en-US" dirty="0"/>
           </a:p>
@@ -6405,7 +6407,6 @@
               <a:rPr lang="en-US" dirty="0" smtClean="0"/>
               <a:t>The file command can tell you what compiler built the file</a:t>
             </a:r>
-            <a:endParaRPr lang="en-US" dirty="0" smtClean="0"/>
           </a:p>
         </p:txBody>
       </p:sp>
@@ -6602,52 +6603,47 @@
           <a:p>
             <a:r>
               <a:rPr lang="en-US" dirty="0" smtClean="0"/>
-              <a:t>The compiler must know where to look for libraries and headers. If the user does not specifies these paths explicitly, the compiler may find headers and libraries that do not belong to the desired target</a:t>
-            </a:r>
-          </a:p>
-          <a:p>
-            <a:r>
-              <a:rPr lang="en-US" dirty="0" smtClean="0"/>
-              <a:t>Host </a:t>
-            </a:r>
-            <a:r>
-              <a:rPr lang="en-US" dirty="0" smtClean="0"/>
-              <a:t>Contamination – When cross compiling software and the compiler  </a:t>
-            </a:r>
-            <a:r>
-              <a:rPr lang="en-US" dirty="0" smtClean="0"/>
-              <a:t>find </a:t>
-            </a:r>
-            <a:r>
-              <a:rPr lang="en-US" dirty="0" smtClean="0"/>
-              <a:t>and </a:t>
-            </a:r>
-            <a:r>
-              <a:rPr lang="en-US" dirty="0" smtClean="0"/>
-              <a:t>use </a:t>
-            </a:r>
-            <a:r>
-              <a:rPr lang="en-US" dirty="0" smtClean="0"/>
-              <a:t>headers and libraries </a:t>
-            </a:r>
-            <a:r>
-              <a:rPr lang="en-US" dirty="0" smtClean="0"/>
-              <a:t>that </a:t>
-            </a:r>
-            <a:r>
-              <a:rPr lang="en-US" dirty="0" smtClean="0"/>
-              <a:t>belong to the host</a:t>
-            </a:r>
-            <a:endParaRPr lang="en-US" dirty="0" smtClean="0"/>
-          </a:p>
-          <a:p>
-            <a:r>
-              <a:rPr lang="en-US" dirty="0" smtClean="0"/>
-              <a:t>Sysroot </a:t>
-            </a:r>
-            <a:r>
-              <a:rPr lang="en-US" dirty="0" smtClean="0"/>
-              <a:t>– Compiler option that alters the compiler’s default search path.</a:t>
+              <a:t>The compiler must know where to look for libraries and headers. If the user does not </a:t>
+            </a:r>
+            <a:r>
+              <a:rPr lang="en-US" dirty="0" smtClean="0"/>
+              <a:t>specify </a:t>
+            </a:r>
+            <a:r>
+              <a:rPr lang="en-US" dirty="0" smtClean="0"/>
+              <a:t>these paths explicitly, the compiler may find headers and libraries that do not belong to the desired target</a:t>
+            </a:r>
+          </a:p>
+          <a:p>
+            <a:r>
+              <a:rPr lang="en-US" dirty="0" smtClean="0"/>
+              <a:t>Host Contamination – When cross compiling </a:t>
+            </a:r>
+            <a:r>
+              <a:rPr lang="en-US" dirty="0" smtClean="0"/>
+              <a:t>software/compiler  finds and uses </a:t>
+            </a:r>
+            <a:r>
+              <a:rPr lang="en-US" dirty="0" smtClean="0"/>
+              <a:t>headers and libraries that belong to the host</a:t>
+            </a:r>
+          </a:p>
+          <a:p>
+            <a:r>
+              <a:rPr lang="en-US" dirty="0" smtClean="0"/>
+              <a:t>Sysroot – Compiler option that </a:t>
+            </a:r>
+            <a:r>
+              <a:rPr lang="en-US" dirty="0" smtClean="0"/>
+              <a:t>set</a:t>
+            </a:r>
+            <a:r>
+              <a:rPr lang="en-US" dirty="0" smtClean="0"/>
+              <a:t> </a:t>
+            </a:r>
+            <a:r>
+              <a:rPr lang="en-US" dirty="0" smtClean="0"/>
+              <a:t>the compiler’s default search path.</a:t>
             </a:r>
             <a:endParaRPr lang="en-US" dirty="0"/>
           </a:p>
@@ -6710,7 +6706,7 @@
             <a:pPr algn="ctr"/>
             <a:r>
               <a:rPr lang="en-US" sz="3200" dirty="0" smtClean="0"/>
-              <a:t>Compiling User Space vs. Kernel Space Software</a:t>
+              <a:t>Compiling User Space vs. Kernel Space </a:t>
             </a:r>
             <a:endParaRPr lang="en-US" sz="3200" dirty="0"/>
           </a:p>
@@ -6772,19 +6768,7 @@
           <a:p>
             <a:r>
               <a:rPr lang="en-US" dirty="0" smtClean="0"/>
-              <a:t>Kernel space software </a:t>
-            </a:r>
-            <a:r>
-              <a:rPr lang="en-US" dirty="0" smtClean="0"/>
-              <a:t>is protected thus it should not </a:t>
-            </a:r>
-            <a:r>
-              <a:rPr lang="en-US" dirty="0" smtClean="0"/>
-              <a:t>be exposed to the environment variables set by </a:t>
-            </a:r>
-            <a:r>
-              <a:rPr lang="en-US" dirty="0" smtClean="0"/>
-              <a:t>environment-setup for the user space</a:t>
+              <a:t>Kernel space software is protected thus it should not be exposed to the environment variables set by environment-setup for the user space</a:t>
             </a:r>
           </a:p>
           <a:p>
@@ -6792,7 +6776,6 @@
               <a:rPr lang="en-US" dirty="0" smtClean="0"/>
               <a:t>Kernel space software should be portable to support multiple platforms</a:t>
             </a:r>
-            <a:endParaRPr lang="en-US" dirty="0" smtClean="0"/>
           </a:p>
         </p:txBody>
       </p:sp>
@@ -7121,8 +7104,13 @@
             <a:pPr lvl="1"/>
             <a:r>
               <a:rPr lang="en-US" dirty="0" smtClean="0"/>
-              <a:t>Portable – the same code for multiple architecture</a:t>
-            </a:r>
+              <a:t>Portable – the same code for </a:t>
+            </a:r>
+            <a:r>
+              <a:rPr lang="en-US" dirty="0" smtClean="0"/>
+              <a:t>multiple architectures</a:t>
+            </a:r>
+            <a:endParaRPr lang="en-US" dirty="0" smtClean="0"/>
           </a:p>
           <a:p>
             <a:pPr lvl="1"/>
@@ -7130,17 +7118,29 @@
               <a:rPr lang="en-US" dirty="0" smtClean="0"/>
               <a:t>Cross compiling – find the right tools, headers and libraries</a:t>
             </a:r>
+          </a:p>
+          <a:p>
+            <a:r>
+              <a:rPr lang="en-US" dirty="0" smtClean="0"/>
+              <a:t>Build Systems – set of tools </a:t>
+            </a:r>
+            <a:r>
+              <a:rPr lang="en-US" dirty="0" smtClean="0"/>
+              <a:t>and</a:t>
+            </a:r>
+            <a:r>
+              <a:rPr lang="en-US" dirty="0" smtClean="0"/>
+              <a:t> </a:t>
+            </a:r>
+            <a:r>
+              <a:rPr lang="en-US" dirty="0" smtClean="0"/>
+              <a:t>scripts used to build and deploy/install applications or </a:t>
+            </a:r>
+            <a:r>
+              <a:rPr lang="en-US" dirty="0" smtClean="0"/>
+              <a:t>libraries on different  architectures</a:t>
+            </a:r>
             <a:endParaRPr lang="en-US" dirty="0" smtClean="0"/>
-          </a:p>
-          <a:p>
-            <a:r>
-              <a:rPr lang="en-US" dirty="0" smtClean="0"/>
-              <a:t>Build </a:t>
-            </a:r>
-            <a:r>
-              <a:rPr lang="en-US" dirty="0" smtClean="0"/>
-              <a:t>Systems – set of tools or scripts used to build and deploy/install applications or libraries.</a:t>
-            </a:r>
           </a:p>
           <a:p>
             <a:r>
@@ -7771,12 +7771,25 @@
           <a:p>
             <a:r>
               <a:rPr lang="en-US" dirty="0" smtClean="0"/>
-              <a:t>configure </a:t>
-            </a:r>
-            <a:r>
-              <a:rPr lang="en-US" dirty="0" smtClean="0"/>
-              <a:t>– Used to determine what compiler your using, supported compiler options, available libraries and at times allows users to determine which features to used or not use.</a:t>
-            </a:r>
+              <a:t>/configure </a:t>
+            </a:r>
+            <a:r>
+              <a:rPr lang="en-US" dirty="0" smtClean="0"/>
+              <a:t>– Used to determine what compiler your using, supported compiler options, available libraries and </a:t>
+            </a:r>
+            <a:r>
+              <a:rPr lang="en-US" dirty="0" smtClean="0"/>
+              <a:t>allows </a:t>
+            </a:r>
+            <a:r>
+              <a:rPr lang="en-US" dirty="0" smtClean="0"/>
+              <a:t>users to determine which features to </a:t>
+            </a:r>
+            <a:r>
+              <a:rPr lang="en-US" dirty="0" smtClean="0"/>
+              <a:t>use and which features not</a:t>
+            </a:r>
+            <a:endParaRPr lang="en-US" dirty="0" smtClean="0"/>
           </a:p>
           <a:p>
             <a:r>
@@ -7858,11 +7871,7 @@
             <a:pPr algn="ctr"/>
             <a:r>
               <a:rPr lang="en-US" dirty="0" smtClean="0"/>
-              <a:t>Tool </a:t>
-            </a:r>
-            <a:r>
-              <a:rPr lang="en-US" dirty="0" smtClean="0"/>
-              <a:t>chain for the Sitara Family</a:t>
+              <a:t>Tool chain for the Sitara Family</a:t>
             </a:r>
             <a:br>
               <a:rPr lang="en-US" dirty="0" smtClean="0"/>
@@ -7899,19 +7908,7 @@
           <a:p>
             <a:r>
               <a:rPr lang="en-US" dirty="0" smtClean="0"/>
-              <a:t>A tool chain is a collection of programs used to compile </a:t>
-            </a:r>
-            <a:r>
-              <a:rPr lang="en-US" dirty="0" smtClean="0"/>
-              <a:t>and build applications </a:t>
-            </a:r>
-            <a:r>
-              <a:rPr lang="en-US" dirty="0" smtClean="0"/>
-              <a:t>or libraries and generally includes several additional tools useful for debugging or troubleshooting issues</a:t>
-            </a:r>
-            <a:r>
-              <a:rPr lang="en-US" dirty="0" smtClean="0"/>
-              <a:t>.</a:t>
+              <a:t>A tool chain is a collection of programs used to compile and build applications or libraries and generally includes several additional tools useful for debugging or troubleshooting issues.</a:t>
             </a:r>
             <a:endParaRPr lang="en-US" dirty="0"/>
           </a:p>
@@ -8156,7 +8153,7 @@
               <a:t>Configure GUI make </a:t>
             </a:r>
             <a:r>
-              <a:rPr lang="en-US" dirty="0" err="1" smtClean="0"/>
+              <a:rPr lang="en-US" dirty="0" smtClean="0"/>
               <a:t>menuconfig</a:t>
             </a:r>
             <a:endParaRPr lang="en-US" dirty="0"/>
@@ -8227,11 +8224,11 @@
   <p:clrMapOvr>
     <a:masterClrMapping/>
   </p:clrMapOvr>
-  <mc:AlternateContent xmlns:mc="http://schemas.openxmlformats.org/markup-compatibility/2006">
-    <mc:Choice xmlns:p14="http://schemas.microsoft.com/office/powerpoint/2010/main" Requires="p14">
+  <mc:AlternateContent xmlns:mc="http://schemas.openxmlformats.org/markup-compatibility/2006" xmlns:p14="http://schemas.microsoft.com/office/powerpoint/2010/main">
+    <mc:Choice Requires="p14">
       <p:transition spd="slow" p14:dur="2000"/>
     </mc:Choice>
-    <mc:Fallback>
+    <mc:Fallback xmlns="">
       <p:transition spd="slow"/>
     </mc:Fallback>
   </mc:AlternateContent>
@@ -8283,7 +8280,7 @@
               <a:t>Configure GUI make </a:t>
             </a:r>
             <a:r>
-              <a:rPr lang="en-US" dirty="0" err="1" smtClean="0"/>
+              <a:rPr lang="en-US" dirty="0" smtClean="0"/>
               <a:t>menuconfig</a:t>
             </a:r>
             <a:endParaRPr lang="en-US" dirty="0"/>
@@ -8354,11 +8351,11 @@
   <p:clrMapOvr>
     <a:masterClrMapping/>
   </p:clrMapOvr>
-  <mc:AlternateContent xmlns:mc="http://schemas.openxmlformats.org/markup-compatibility/2006">
-    <mc:Choice xmlns:p14="http://schemas.microsoft.com/office/powerpoint/2010/main" Requires="p14">
+  <mc:AlternateContent xmlns:mc="http://schemas.openxmlformats.org/markup-compatibility/2006" xmlns:p14="http://schemas.microsoft.com/office/powerpoint/2010/main">
+    <mc:Choice Requires="p14">
       <p:transition spd="slow" p14:dur="2000"/>
     </mc:Choice>
-    <mc:Fallback>
+    <mc:Fallback xmlns="">
       <p:transition spd="slow"/>
     </mc:Fallback>
   </mc:AlternateContent>
@@ -8476,7 +8473,7 @@
         <p:spPr>
           <a:xfrm>
             <a:off x="1828800" y="5791200"/>
-            <a:ext cx="4557658" cy="369332"/>
+            <a:ext cx="4365298" cy="369332"/>
           </a:xfrm>
           <a:prstGeom prst="rect">
             <a:avLst/>
@@ -8490,15 +8487,15 @@
           <a:lstStyle/>
           <a:p>
             <a:r>
-              <a:rPr lang="en-US" dirty="0" err="1" smtClean="0"/>
-              <a:t>Themn</a:t>
-            </a:r>
-            <a:r>
-              <a:rPr lang="en-US" dirty="0" smtClean="0"/>
-              <a:t> you have to “make </a:t>
-            </a:r>
-            <a:r>
-              <a:rPr lang="en-US" dirty="0" err="1" smtClean="0"/>
+              <a:rPr lang="en-US" dirty="0" smtClean="0"/>
+              <a:t>Then </a:t>
+            </a:r>
+            <a:r>
+              <a:rPr lang="en-US" dirty="0" smtClean="0"/>
+              <a:t>you have to “make </a:t>
+            </a:r>
+            <a:r>
+              <a:rPr lang="en-US" dirty="0" smtClean="0"/>
               <a:t>oldconfig</a:t>
             </a:r>
             <a:r>
@@ -8519,11 +8516,11 @@
   <p:clrMapOvr>
     <a:masterClrMapping/>
   </p:clrMapOvr>
-  <mc:AlternateContent xmlns:mc="http://schemas.openxmlformats.org/markup-compatibility/2006">
-    <mc:Choice xmlns:p14="http://schemas.microsoft.com/office/powerpoint/2010/main" Requires="p14">
+  <mc:AlternateContent xmlns:mc="http://schemas.openxmlformats.org/markup-compatibility/2006" xmlns:p14="http://schemas.microsoft.com/office/powerpoint/2010/main">
+    <mc:Choice Requires="p14">
       <p:transition spd="slow" p14:dur="2000"/>
     </mc:Choice>
-    <mc:Fallback>
+    <mc:Fallback xmlns="">
       <p:transition spd="slow"/>
     </mc:Fallback>
   </mc:AlternateContent>
@@ -8587,17 +8584,39 @@
             <p:ph idx="1"/>
           </p:nvPr>
         </p:nvSpPr>
-        <p:spPr/>
+        <p:spPr>
+          <a:xfrm>
+            <a:off x="333375" y="1185863"/>
+            <a:ext cx="8467725" cy="3462337"/>
+          </a:xfrm>
+        </p:spPr>
         <p:txBody>
           <a:bodyPr>
-            <a:normAutofit fontScale="92500" lnSpcReduction="10000"/>
+            <a:normAutofit lnSpcReduction="10000"/>
           </a:bodyPr>
           <a:lstStyle/>
           <a:p>
             <a:r>
-              <a:rPr lang="en-US" dirty="0" smtClean="0"/>
-              <a:t>When cross compiling software configure requires a few options passed to it</a:t>
-            </a:r>
+              <a:rPr lang="en-US" dirty="0"/>
+              <a:t>C</a:t>
+            </a:r>
+            <a:r>
+              <a:rPr lang="en-US" dirty="0" smtClean="0"/>
+              <a:t>ross </a:t>
+            </a:r>
+            <a:r>
+              <a:rPr lang="en-US" dirty="0" smtClean="0"/>
+              <a:t>compiling software configure requires </a:t>
+            </a:r>
+            <a:r>
+              <a:rPr lang="en-US" dirty="0" smtClean="0"/>
+              <a:t>some </a:t>
+            </a:r>
+            <a:r>
+              <a:rPr lang="en-US" dirty="0" smtClean="0"/>
+              <a:t>options such as:</a:t>
+            </a:r>
+            <a:endParaRPr lang="en-US" dirty="0" smtClean="0"/>
           </a:p>
           <a:p>
             <a:pPr lvl="1"/>
@@ -8668,36 +8687,24 @@
           <a:p>
             <a:r>
               <a:rPr lang="en-US" dirty="0" smtClean="0"/>
-              <a:t>Environment-setup creates a environment variable with all this information already filled!</a:t>
-            </a:r>
-          </a:p>
-          <a:p>
-            <a:endParaRPr lang="en-US" dirty="0"/>
-          </a:p>
-          <a:p>
-            <a:r>
-              <a:rPr lang="en-US" dirty="0" smtClean="0"/>
-              <a:t>When cross compiling auto tools based software always use:</a:t>
-            </a:r>
-          </a:p>
-          <a:p>
-            <a:r>
-              <a:rPr lang="en-US" dirty="0" smtClean="0"/>
-              <a:t>./configure $</a:t>
-            </a:r>
-            <a:r>
-              <a:rPr lang="en-US" dirty="0" smtClean="0"/>
-              <a:t>CONFIGURE_FLAGS</a:t>
-            </a:r>
-          </a:p>
-          <a:p>
-            <a:r>
-              <a:rPr lang="en-US" dirty="0" smtClean="0"/>
-              <a:t>If not, see the next slide</a:t>
+              <a:t>Environment-setup creates a environment variable with all this information already filled</a:t>
+            </a:r>
+            <a:r>
+              <a:rPr lang="en-US" dirty="0" smtClean="0"/>
+              <a:t>!</a:t>
+            </a:r>
+          </a:p>
+          <a:p>
+            <a:r>
+              <a:rPr lang="en-US" dirty="0" smtClean="0"/>
+              <a:t>And of course, the PATH must be defined (see next slide)</a:t>
             </a:r>
             <a:endParaRPr lang="en-US" dirty="0" smtClean="0"/>
           </a:p>
           <a:p>
+            <a:pPr marL="0" indent="0">
+              <a:buNone/>
+            </a:pPr>
             <a:endParaRPr lang="en-US" dirty="0"/>
           </a:p>
           <a:p>
@@ -8760,11 +8767,7 @@
             <a:pPr algn="ctr"/>
             <a:r>
               <a:rPr lang="en-US" dirty="0" smtClean="0"/>
-              <a:t>Configure </a:t>
-            </a:r>
-            <a:r>
-              <a:rPr lang="en-US" dirty="0" smtClean="0"/>
-              <a:t>without the right PATH</a:t>
+              <a:t>Configure without the right PATH</a:t>
             </a:r>
             <a:endParaRPr lang="en-US" dirty="0"/>
           </a:p>
@@ -9158,50 +9161,6 @@
           </a:extLst>
         </p:spPr>
       </p:pic>
-      <p:sp>
-        <p:nvSpPr>
-          <p:cNvPr id="4" name="TextBox 3"/>
-          <p:cNvSpPr txBox="1"/>
-          <p:nvPr/>
-        </p:nvSpPr>
-        <p:spPr>
-          <a:xfrm>
-            <a:off x="685800" y="4648200"/>
-            <a:ext cx="6494085" cy="646331"/>
-          </a:xfrm>
-          <a:prstGeom prst="rect">
-            <a:avLst/>
-          </a:prstGeom>
-          <a:noFill/>
-        </p:spPr>
-        <p:txBody>
-          <a:bodyPr wrap="none" rtlCol="0">
-            <a:spAutoFit/>
-          </a:bodyPr>
-          <a:lstStyle/>
-          <a:p>
-            <a:r>
-              <a:rPr lang="en-US" dirty="0" smtClean="0"/>
-              <a:t>These variables are important  not just to </a:t>
-            </a:r>
-            <a:r>
-              <a:rPr lang="en-US" dirty="0"/>
-              <a:t>c</a:t>
-            </a:r>
-            <a:r>
-              <a:rPr lang="en-US" dirty="0" smtClean="0"/>
-              <a:t>onfigure/autotools </a:t>
-            </a:r>
-          </a:p>
-          <a:p>
-            <a:r>
-              <a:rPr lang="en-US" dirty="0" smtClean="0"/>
-              <a:t>but for many other build systems</a:t>
-            </a:r>
-            <a:endParaRPr lang="en-US" dirty="0"/>
-          </a:p>
-        </p:txBody>
-      </p:sp>
     </p:spTree>
     <p:extLst>
       <p:ext uri="{BB962C8B-B14F-4D97-AF65-F5344CB8AC3E}">
@@ -9326,62 +9285,6 @@
           </a:extLst>
         </p:spPr>
       </p:pic>
-      <p:sp>
-        <p:nvSpPr>
-          <p:cNvPr id="3" name="TextBox 2"/>
-          <p:cNvSpPr txBox="1"/>
-          <p:nvPr/>
-        </p:nvSpPr>
-        <p:spPr>
-          <a:xfrm>
-            <a:off x="2743200" y="4953000"/>
-            <a:ext cx="3410677" cy="1200329"/>
-          </a:xfrm>
-          <a:prstGeom prst="rect">
-            <a:avLst/>
-          </a:prstGeom>
-          <a:noFill/>
-        </p:spPr>
-        <p:txBody>
-          <a:bodyPr wrap="none" rtlCol="0">
-            <a:spAutoFit/>
-          </a:bodyPr>
-          <a:lstStyle/>
-          <a:p>
-            <a:r>
-              <a:rPr lang="en-US" dirty="0" smtClean="0"/>
-              <a:t>Example Enable PIC:   </a:t>
-            </a:r>
-          </a:p>
-          <a:p>
-            <a:r>
-              <a:rPr lang="en-US" dirty="0"/>
-              <a:t>	</a:t>
-            </a:r>
-            <a:r>
-              <a:rPr lang="en-US" dirty="0" smtClean="0"/>
-              <a:t>./configure --with-pic</a:t>
-            </a:r>
-          </a:p>
-          <a:p>
-            <a:r>
-              <a:rPr lang="en-US" dirty="0" smtClean="0"/>
-              <a:t>Example Disable PIC:  </a:t>
-            </a:r>
-          </a:p>
-          <a:p>
-            <a:r>
-              <a:rPr lang="en-US" dirty="0"/>
-              <a:t>	</a:t>
-            </a:r>
-            <a:r>
-              <a:rPr lang="en-US" dirty="0" smtClean="0"/>
-              <a:t>./configure --without-pic</a:t>
-            </a:r>
-            <a:endParaRPr lang="en-US" dirty="0"/>
-          </a:p>
-        </p:txBody>
-      </p:sp>
     </p:spTree>
     <p:extLst>
       <p:ext uri="{BB962C8B-B14F-4D97-AF65-F5344CB8AC3E}">
@@ -9493,15 +9396,7 @@
           <a:p>
             <a:r>
               <a:rPr lang="en-US" dirty="0" smtClean="0"/>
-              <a:t>Compiling a Linux application on your PC for your </a:t>
-            </a:r>
-            <a:r>
-              <a:rPr lang="en-US" dirty="0" smtClean="0"/>
-              <a:t>Sitara EVM or Beaglebone</a:t>
-            </a:r>
-            <a:r>
-              <a:rPr lang="en-US" dirty="0" smtClean="0"/>
-              <a:t>.</a:t>
+              <a:t>Compiling a Linux application on your PC for your Sitara EVM or Beaglebone.</a:t>
             </a:r>
             <a:endParaRPr lang="en-US" dirty="0"/>
           </a:p>
@@ -10061,26 +9956,53 @@
           <a:p>
             <a:r>
               <a:rPr lang="en-US" dirty="0" smtClean="0"/>
-              <a:t>By default auto tools will assume you want to install your library or application on the host.</a:t>
-            </a:r>
-          </a:p>
-          <a:p>
-            <a:r>
-              <a:rPr lang="en-US" dirty="0" smtClean="0"/>
-              <a:t>When cross compiling this is not what you want to do so how do you change this?</a:t>
-            </a:r>
-          </a:p>
-          <a:p>
-            <a:r>
-              <a:rPr lang="en-US" dirty="0" smtClean="0"/>
-              <a:t>Easiest way to accomplish this is by altering the software’s default install location</a:t>
+              <a:t>By default auto tools will </a:t>
+            </a:r>
+            <a:r>
+              <a:rPr lang="en-US" dirty="0" smtClean="0"/>
+              <a:t>install libraries and applications </a:t>
+            </a:r>
+            <a:r>
+              <a:rPr lang="en-US" dirty="0" smtClean="0"/>
+              <a:t>on the </a:t>
+            </a:r>
+            <a:r>
+              <a:rPr lang="en-US" dirty="0" smtClean="0"/>
+              <a:t>host in the local directory</a:t>
+            </a:r>
+            <a:endParaRPr lang="en-US" dirty="0" smtClean="0"/>
+          </a:p>
+          <a:p>
+            <a:r>
+              <a:rPr lang="en-US" dirty="0" smtClean="0"/>
+              <a:t>The user may choose to change the install location, for example, to put it in a NFS directory</a:t>
             </a:r>
             <a:endParaRPr lang="en-US" dirty="0"/>
           </a:p>
           <a:p>
             <a:r>
               <a:rPr lang="en-US" dirty="0" smtClean="0"/>
-              <a:t>Auto tools based software makes this fairly easy</a:t>
+              <a:t>Easiest </a:t>
+            </a:r>
+            <a:r>
+              <a:rPr lang="en-US" dirty="0" smtClean="0"/>
+              <a:t>way to accomplish this is by </a:t>
+            </a:r>
+            <a:r>
+              <a:rPr lang="en-US" dirty="0" smtClean="0"/>
+              <a:t>setting</a:t>
+            </a:r>
+            <a:r>
+              <a:rPr lang="en-US" dirty="0" smtClean="0"/>
+              <a:t> </a:t>
+            </a:r>
+            <a:r>
+              <a:rPr lang="en-US" dirty="0" smtClean="0"/>
+              <a:t>the software’s default install </a:t>
+            </a:r>
+            <a:r>
+              <a:rPr lang="en-US" dirty="0" smtClean="0"/>
+              <a:t>location in the auto tools script</a:t>
             </a:r>
             <a:endParaRPr lang="en-US" dirty="0"/>
           </a:p>
@@ -10107,110 +10029,7 @@
   <p:timing>
     <p:tnLst>
       <p:par>
-        <p:cTn id="1" dur="indefinite" restart="never" nodeType="tmRoot">
-          <p:childTnLst>
-            <p:seq concurrent="1" nextAc="seek">
-              <p:cTn id="2" dur="indefinite" nodeType="mainSeq">
-                <p:childTnLst>
-                  <p:par>
-                    <p:cTn id="3" fill="hold">
-                      <p:stCondLst>
-                        <p:cond delay="indefinite"/>
-                      </p:stCondLst>
-                      <p:childTnLst>
-                        <p:par>
-                          <p:cTn id="4" fill="hold">
-                            <p:stCondLst>
-                              <p:cond delay="0"/>
-                            </p:stCondLst>
-                            <p:childTnLst>
-                              <p:par>
-                                <p:cTn id="5" presetID="1" presetClass="entr" presetSubtype="0" fill="hold" nodeType="clickEffect">
-                                  <p:stCondLst>
-                                    <p:cond delay="0"/>
-                                  </p:stCondLst>
-                                  <p:childTnLst>
-                                    <p:set>
-                                      <p:cBhvr>
-                                        <p:cTn id="6" dur="1" fill="hold">
-                                          <p:stCondLst>
-                                            <p:cond delay="0"/>
-                                          </p:stCondLst>
-                                        </p:cTn>
-                                        <p:tgtEl>
-                                          <p:spTgt spid="3">
-                                            <p:txEl>
-                                              <p:pRg st="2" end="2"/>
-                                            </p:txEl>
-                                          </p:spTgt>
-                                        </p:tgtEl>
-                                        <p:attrNameLst>
-                                          <p:attrName>style.visibility</p:attrName>
-                                        </p:attrNameLst>
-                                      </p:cBhvr>
-                                      <p:to>
-                                        <p:strVal val="visible"/>
-                                      </p:to>
-                                    </p:set>
-                                  </p:childTnLst>
-                                </p:cTn>
-                              </p:par>
-                              <p:par>
-                                <p:cTn id="7" presetID="1" presetClass="entr" presetSubtype="0" fill="hold" nodeType="withEffect">
-                                  <p:stCondLst>
-                                    <p:cond delay="0"/>
-                                  </p:stCondLst>
-                                  <p:childTnLst>
-                                    <p:set>
-                                      <p:cBhvr>
-                                        <p:cTn id="8" dur="1" fill="hold">
-                                          <p:stCondLst>
-                                            <p:cond delay="0"/>
-                                          </p:stCondLst>
-                                        </p:cTn>
-                                        <p:tgtEl>
-                                          <p:spTgt spid="3">
-                                            <p:txEl>
-                                              <p:pRg st="3" end="3"/>
-                                            </p:txEl>
-                                          </p:spTgt>
-                                        </p:tgtEl>
-                                        <p:attrNameLst>
-                                          <p:attrName>style.visibility</p:attrName>
-                                        </p:attrNameLst>
-                                      </p:cBhvr>
-                                      <p:to>
-                                        <p:strVal val="visible"/>
-                                      </p:to>
-                                    </p:set>
-                                  </p:childTnLst>
-                                </p:cTn>
-                              </p:par>
-                            </p:childTnLst>
-                          </p:cTn>
-                        </p:par>
-                      </p:childTnLst>
-                    </p:cTn>
-                  </p:par>
-                </p:childTnLst>
-              </p:cTn>
-              <p:prevCondLst>
-                <p:cond evt="onPrev" delay="0">
-                  <p:tgtEl>
-                    <p:sldTgt/>
-                  </p:tgtEl>
-                </p:cond>
-              </p:prevCondLst>
-              <p:nextCondLst>
-                <p:cond evt="onNext" delay="0">
-                  <p:tgtEl>
-                    <p:sldTgt/>
-                  </p:tgtEl>
-                </p:cond>
-              </p:nextCondLst>
-            </p:seq>
-          </p:childTnLst>
-        </p:cTn>
+        <p:cTn id="1" dur="indefinite" restart="never" nodeType="tmRoot"/>
       </p:par>
     </p:tnLst>
   </p:timing>
@@ -10650,8 +10469,21 @@
           <a:p>
             <a:r>
               <a:rPr lang="en-US" dirty="0" smtClean="0"/>
-              <a:t>By using the configure prefix option you can alter the default location configure wants to install your libraries and application.</a:t>
-            </a:r>
+              <a:t>By using the configure prefix option you can alter the default location </a:t>
+            </a:r>
+            <a:r>
+              <a:rPr lang="en-US" dirty="0" smtClean="0"/>
+              <a:t>where configure installs </a:t>
+            </a:r>
+            <a:r>
+              <a:rPr lang="en-US" dirty="0" smtClean="0"/>
+              <a:t>libraries and </a:t>
+            </a:r>
+            <a:r>
+              <a:rPr lang="en-US" dirty="0" smtClean="0"/>
+              <a:t>applications.</a:t>
+            </a:r>
+            <a:endParaRPr lang="en-US" dirty="0" smtClean="0"/>
           </a:p>
           <a:p>
             <a:r>
@@ -10745,22 +10577,42 @@
           <a:lstStyle/>
           <a:p>
             <a:r>
-              <a:rPr lang="en-US" dirty="0" smtClean="0"/>
-              <a:t>Having the headers and libraries in the custom directory isn’t enough if the application requires them.</a:t>
-            </a:r>
-          </a:p>
-          <a:p>
-            <a:r>
-              <a:rPr lang="en-US" dirty="0" smtClean="0"/>
-              <a:t>When applications are running on the target they will need access to the manually compiled libraries.</a:t>
-            </a:r>
-          </a:p>
-          <a:p>
-            <a:r>
-              <a:rPr lang="en-US" dirty="0" smtClean="0"/>
-              <a:t>Simply copy the contents of the custom dir and copy it to your filesystem’s root directory.</a:t>
-            </a:r>
-            <a:endParaRPr lang="en-US" dirty="0"/>
+              <a:rPr lang="en-US" dirty="0"/>
+              <a:t>D</a:t>
+            </a:r>
+            <a:r>
+              <a:rPr lang="en-US" dirty="0" smtClean="0"/>
+              <a:t>ynamically linked libraries and headers that are used by applications must be in  the filesystem of the target</a:t>
+            </a:r>
+            <a:endParaRPr lang="en-US" dirty="0" smtClean="0"/>
+          </a:p>
+          <a:p>
+            <a:r>
+              <a:rPr lang="en-US" dirty="0" smtClean="0"/>
+              <a:t>If the libraries (and the headers) are in the cross-compiler system they may not be visible to the target</a:t>
+            </a:r>
+          </a:p>
+          <a:p>
+            <a:r>
+              <a:rPr lang="en-US" dirty="0" smtClean="0"/>
+              <a:t>The user must </a:t>
+            </a:r>
+            <a:r>
+              <a:rPr lang="en-US" dirty="0" smtClean="0"/>
+              <a:t>copy </a:t>
+            </a:r>
+            <a:r>
+              <a:rPr lang="en-US" dirty="0" smtClean="0"/>
+              <a:t>the contents of the </a:t>
+            </a:r>
+            <a:r>
+              <a:rPr lang="en-US" dirty="0" smtClean="0"/>
+              <a:t>directory where the libraries and headers are into the file system of the target (either </a:t>
+            </a:r>
+            <a:r>
+              <a:rPr lang="en-US" dirty="0" smtClean="0"/>
+              <a:t>ramfs, or mount or any other file system location)</a:t>
+            </a:r>
           </a:p>
         </p:txBody>
       </p:sp>
@@ -10816,6 +10668,7 @@
           <a:bodyPr/>
           <a:lstStyle/>
           <a:p>
+            <a:pPr algn="ctr"/>
             <a:r>
               <a:rPr lang="en-US" dirty="0" smtClean="0"/>
               <a:t>Recap</a:t>
@@ -10911,72 +10764,6 @@
           </a:p>
           <a:p>
             <a:endParaRPr lang="en-US" dirty="0"/>
-          </a:p>
-        </p:txBody>
-      </p:sp>
-      <p:sp>
-        <p:nvSpPr>
-          <p:cNvPr id="4" name="TextBox 3"/>
-          <p:cNvSpPr txBox="1"/>
-          <p:nvPr/>
-        </p:nvSpPr>
-        <p:spPr>
-          <a:xfrm>
-            <a:off x="2362200" y="3986540"/>
-            <a:ext cx="4161717" cy="523220"/>
-          </a:xfrm>
-          <a:prstGeom prst="rect">
-            <a:avLst/>
-          </a:prstGeom>
-          <a:noFill/>
-        </p:spPr>
-        <p:txBody>
-          <a:bodyPr wrap="none" rtlCol="0">
-            <a:spAutoFit/>
-          </a:bodyPr>
-          <a:lstStyle/>
-          <a:p>
-            <a:r>
-              <a:rPr lang="en-US" sz="2800" dirty="0" smtClean="0"/>
-              <a:t>Cross compiling is easy!!</a:t>
-            </a:r>
-            <a:endParaRPr lang="en-US" sz="2800" dirty="0"/>
-          </a:p>
-        </p:txBody>
-      </p:sp>
-      <p:sp>
-        <p:nvSpPr>
-          <p:cNvPr id="5" name="TextBox 4"/>
-          <p:cNvSpPr txBox="1"/>
-          <p:nvPr/>
-        </p:nvSpPr>
-        <p:spPr>
-          <a:xfrm>
-            <a:off x="3141511" y="4953000"/>
-            <a:ext cx="2168222" cy="584775"/>
-          </a:xfrm>
-          <a:prstGeom prst="rect">
-            <a:avLst/>
-          </a:prstGeom>
-          <a:noFill/>
-        </p:spPr>
-        <p:txBody>
-          <a:bodyPr wrap="none" rtlCol="0">
-            <a:spAutoFit/>
-          </a:bodyPr>
-          <a:lstStyle/>
-          <a:p>
-            <a:r>
-              <a:rPr lang="en-US" dirty="0" smtClean="0"/>
-              <a:t>Well it depends </a:t>
-            </a:r>
-            <a:r>
-              <a:rPr lang="en-US" sz="3200" dirty="0" smtClean="0">
-                <a:sym typeface="Wingdings" panose="05000000000000000000" pitchFamily="2" charset="2"/>
-              </a:rPr>
-              <a:t></a:t>
-            </a:r>
-            <a:endParaRPr lang="en-US" sz="3200" dirty="0"/>
           </a:p>
         </p:txBody>
       </p:sp>
@@ -11243,104 +11030,6 @@
                       </p:childTnLst>
                     </p:cTn>
                   </p:par>
-                  <p:par>
-                    <p:cTn id="23" fill="hold">
-                      <p:stCondLst>
-                        <p:cond delay="indefinite"/>
-                      </p:stCondLst>
-                      <p:childTnLst>
-                        <p:par>
-                          <p:cTn id="24" fill="hold">
-                            <p:stCondLst>
-                              <p:cond delay="0"/>
-                            </p:stCondLst>
-                            <p:childTnLst>
-                              <p:par>
-                                <p:cTn id="25" presetID="1" presetClass="entr" presetSubtype="0" fill="hold" nodeType="clickEffect">
-                                  <p:stCondLst>
-                                    <p:cond delay="0"/>
-                                  </p:stCondLst>
-                                  <p:childTnLst>
-                                    <p:set>
-                                      <p:cBhvr>
-                                        <p:cTn id="26" dur="1" fill="hold">
-                                          <p:stCondLst>
-                                            <p:cond delay="0"/>
-                                          </p:stCondLst>
-                                        </p:cTn>
-                                        <p:tgtEl>
-                                          <p:spTgt spid="4">
-                                            <p:txEl>
-                                              <p:pRg st="0" end="0"/>
-                                            </p:txEl>
-                                          </p:spTgt>
-                                        </p:tgtEl>
-                                        <p:attrNameLst>
-                                          <p:attrName>style.visibility</p:attrName>
-                                        </p:attrNameLst>
-                                      </p:cBhvr>
-                                      <p:to>
-                                        <p:strVal val="visible"/>
-                                      </p:to>
-                                    </p:set>
-                                  </p:childTnLst>
-                                </p:cTn>
-                              </p:par>
-                            </p:childTnLst>
-                          </p:cTn>
-                        </p:par>
-                      </p:childTnLst>
-                    </p:cTn>
-                  </p:par>
-                  <p:par>
-                    <p:cTn id="27" fill="hold">
-                      <p:stCondLst>
-                        <p:cond delay="indefinite"/>
-                      </p:stCondLst>
-                      <p:childTnLst>
-                        <p:par>
-                          <p:cTn id="28" fill="hold">
-                            <p:stCondLst>
-                              <p:cond delay="0"/>
-                            </p:stCondLst>
-                            <p:childTnLst>
-                              <p:par>
-                                <p:cTn id="29" presetID="1" presetClass="entr" presetSubtype="0" fill="hold" nodeType="clickEffect">
-                                  <p:stCondLst>
-                                    <p:cond delay="0"/>
-                                  </p:stCondLst>
-                                  <p:childTnLst>
-                                    <p:set>
-                                      <p:cBhvr>
-                                        <p:cTn id="30" dur="1" fill="hold">
-                                          <p:stCondLst>
-                                            <p:cond delay="0"/>
-                                          </p:stCondLst>
-                                        </p:cTn>
-                                        <p:tgtEl>
-                                          <p:spTgt spid="5">
-                                            <p:txEl>
-                                              <p:pRg st="0" end="0"/>
-                                            </p:txEl>
-                                          </p:spTgt>
-                                        </p:tgtEl>
-                                        <p:attrNameLst>
-                                          <p:attrName>style.visibility</p:attrName>
-                                        </p:attrNameLst>
-                                      </p:cBhvr>
-                                      <p:to>
-                                        <p:strVal val="visible"/>
-                                      </p:to>
-                                    </p:set>
-                                  </p:childTnLst>
-                                </p:cTn>
-                              </p:par>
-                            </p:childTnLst>
-                          </p:cTn>
-                        </p:par>
-                      </p:childTnLst>
-                    </p:cTn>
-                  </p:par>
                 </p:childTnLst>
               </p:cTn>
               <p:prevCondLst>
@@ -11400,9 +11089,10 @@
           </a:bodyPr>
           <a:lstStyle/>
           <a:p>
-            <a:r>
-              <a:rPr lang="en-US" dirty="0" smtClean="0"/>
-              <a:t>When Cross Compiling Sucks</a:t>
+            <a:pPr algn="ctr"/>
+            <a:r>
+              <a:rPr lang="en-US" dirty="0" smtClean="0"/>
+              <a:t>Issues with Cross Compiling</a:t>
             </a:r>
             <a:endParaRPr lang="en-US" dirty="0"/>
           </a:p>
@@ -11428,8 +11118,17 @@
             </a:pPr>
             <a:r>
               <a:rPr lang="en-US" dirty="0" smtClean="0"/>
-              <a:t>Cross compiling sucks when:</a:t>
-            </a:r>
+              <a:t>Cross compiling </a:t>
+            </a:r>
+            <a:r>
+              <a:rPr lang="en-US" dirty="0" smtClean="0"/>
+              <a:t>problems are when</a:t>
+            </a:r>
+            <a:r>
+              <a:rPr lang="en-US" dirty="0" smtClean="0"/>
+              <a:t>:</a:t>
+            </a:r>
+            <a:endParaRPr lang="en-US" dirty="0" smtClean="0"/>
           </a:p>
           <a:p>
             <a:pPr marL="457200" indent="-457200">
@@ -11559,6 +11258,7 @@
           <a:bodyPr/>
           <a:lstStyle/>
           <a:p>
+            <a:pPr algn="ctr"/>
             <a:r>
               <a:rPr lang="en-US" dirty="0" smtClean="0"/>
               <a:t>Native Compiling</a:t>
@@ -11580,19 +11280,24 @@
         <p:spPr/>
         <p:txBody>
           <a:bodyPr>
-            <a:normAutofit lnSpcReduction="10000"/>
+            <a:normAutofit/>
           </a:bodyPr>
           <a:lstStyle/>
           <a:p>
             <a:r>
               <a:rPr lang="en-US" dirty="0" smtClean="0"/>
-              <a:t>When every your building software to be ran on the same machine that it is being built on then your natively compiling your program.</a:t>
-            </a:r>
-          </a:p>
-          <a:p>
-            <a:r>
-              <a:rPr lang="en-US" dirty="0" smtClean="0"/>
-              <a:t>Benefits:</a:t>
+              <a:t>Building the executable on the target (The same machine that the code will run on)</a:t>
+            </a:r>
+            <a:endParaRPr lang="en-US" dirty="0" smtClean="0"/>
+          </a:p>
+          <a:p>
+            <a:r>
+              <a:rPr lang="en-US" dirty="0" smtClean="0"/>
+              <a:t>Benefits</a:t>
+            </a:r>
+            <a:r>
+              <a:rPr lang="en-US" dirty="0" smtClean="0"/>
+              <a:t>:</a:t>
             </a:r>
           </a:p>
           <a:p>
@@ -11606,7 +11311,7 @@
             <a:pPr lvl="1"/>
             <a:r>
               <a:rPr lang="en-US" dirty="0" smtClean="0"/>
-              <a:t>Since your not cross compiling then compiling should be as simple as it would be on a PC.</a:t>
+              <a:t>Native compiling is simpler and requires less configurations and settings</a:t>
             </a:r>
             <a:endParaRPr lang="en-US" dirty="0"/>
           </a:p>
@@ -11641,18 +11346,12 @@
             <a:pPr lvl="1"/>
             <a:r>
               <a:rPr lang="en-US" dirty="0" smtClean="0"/>
-              <a:t>Some distributions don’t provide the tool chain so it isn’t an option.</a:t>
-            </a:r>
-          </a:p>
-          <a:p>
-            <a:pPr lvl="1"/>
-            <a:r>
-              <a:rPr lang="en-US" dirty="0" smtClean="0"/>
-              <a:t>Sharing what you have built is trickier since it is now already apart of your file system.</a:t>
-            </a:r>
-          </a:p>
-          <a:p>
-            <a:pPr lvl="1"/>
+              <a:t>Some distributions don’t provide the tool chain so it isn’t an option</a:t>
+            </a:r>
+            <a:r>
+              <a:rPr lang="en-US" dirty="0" smtClean="0"/>
+              <a:t>.</a:t>
+            </a:r>
             <a:endParaRPr lang="en-US" dirty="0" smtClean="0"/>
           </a:p>
           <a:p>
@@ -11713,9 +11412,14 @@
           <a:bodyPr/>
           <a:lstStyle/>
           <a:p>
-            <a:r>
-              <a:rPr lang="en-US" dirty="0" smtClean="0"/>
-              <a:t>Better Approach</a:t>
+            <a:pPr algn="ctr"/>
+            <a:r>
+              <a:rPr lang="en-US" dirty="0" smtClean="0"/>
+              <a:t>Different</a:t>
+            </a:r>
+            <a:r>
+              <a:rPr lang="en-US" dirty="0" smtClean="0"/>
+              <a:t> Approach – Build your own distribution</a:t>
             </a:r>
             <a:endParaRPr lang="en-US" dirty="0"/>
           </a:p>
@@ -11734,38 +11438,40 @@
         <p:spPr/>
         <p:txBody>
           <a:bodyPr>
-            <a:normAutofit fontScale="85000" lnSpcReduction="10000"/>
+            <a:normAutofit/>
           </a:bodyPr>
           <a:lstStyle/>
-          <a:p>
-            <a:r>
-              <a:rPr lang="en-US" dirty="0" smtClean="0"/>
-              <a:t>So if cross compiling can be tricky and natively compiling has its own problems what is a better solution.</a:t>
-            </a:r>
-          </a:p>
           <a:p>
             <a:pPr marL="0" indent="0">
               <a:buNone/>
             </a:pPr>
             <a:r>
               <a:rPr lang="en-US" dirty="0" smtClean="0"/>
-              <a:t>Open embedded/Yocto</a:t>
-            </a:r>
-            <a:endParaRPr lang="en-US" dirty="0"/>
-          </a:p>
-          <a:p>
-            <a:pPr marL="0" indent="0">
-              <a:buNone/>
-            </a:pPr>
-            <a:r>
-              <a:rPr lang="en-US" dirty="0" smtClean="0"/>
-              <a:t>Open embedded/Yocto is used to create your own distribution file system quickly and easily from scratch.</a:t>
-            </a:r>
-          </a:p>
-          <a:p>
-            <a:r>
-              <a:rPr lang="en-US" dirty="0" smtClean="0"/>
-              <a:t>Benefits:</a:t>
+              <a:t>Open embedded/Yocto project </a:t>
+            </a:r>
+            <a:r>
+              <a:rPr lang="en-US" dirty="0"/>
+              <a:t> </a:t>
+            </a:r>
+            <a:r>
+              <a:rPr lang="en-US" dirty="0" smtClean="0"/>
+              <a:t>is </a:t>
+            </a:r>
+            <a:r>
+              <a:rPr lang="en-US" dirty="0" smtClean="0"/>
+              <a:t>used to </a:t>
+            </a:r>
+            <a:r>
+              <a:rPr lang="en-US" dirty="0" smtClean="0"/>
+              <a:t>create </a:t>
+            </a:r>
+            <a:r>
+              <a:rPr lang="en-US" dirty="0" smtClean="0"/>
+              <a:t>distribution file system </a:t>
+            </a:r>
+            <a:r>
+              <a:rPr lang="en-US" dirty="0" smtClean="0"/>
+              <a:t>for any architecture</a:t>
             </a:r>
           </a:p>
           <a:p>
@@ -11774,25 +11480,54 @@
               <a:buAutoNum type="arabicPeriod"/>
             </a:pPr>
             <a:r>
-              <a:rPr lang="en-US" dirty="0" smtClean="0"/>
-              <a:t>A scripts called ‘recipe’ contains all the information required to build applications or libraries.</a:t>
+              <a:rPr lang="en-US" dirty="0"/>
+              <a:t>A </a:t>
+            </a:r>
+            <a:r>
+              <a:rPr lang="en-US" dirty="0" smtClean="0"/>
+              <a:t>‘recipe” scripts </a:t>
+            </a:r>
+            <a:r>
+              <a:rPr lang="en-US" dirty="0"/>
+              <a:t>contains all the information </a:t>
+            </a:r>
+            <a:r>
+              <a:rPr lang="en-US" dirty="0" smtClean="0"/>
+              <a:t>that is required </a:t>
+            </a:r>
+            <a:r>
+              <a:rPr lang="en-US" dirty="0"/>
+              <a:t>to build applications </a:t>
+            </a:r>
+            <a:r>
+              <a:rPr lang="en-US" dirty="0" smtClean="0"/>
+              <a:t>and </a:t>
+            </a:r>
+            <a:r>
+              <a:rPr lang="en-US" dirty="0"/>
+              <a:t>libraries.</a:t>
             </a:r>
           </a:p>
           <a:p>
             <a:pPr lvl="2"/>
             <a:r>
               <a:rPr lang="en-US" dirty="0" smtClean="0"/>
-              <a:t>Over 2000+ recipes exist.</a:t>
-            </a:r>
-          </a:p>
-          <a:p>
-            <a:pPr marL="684212" lvl="1" indent="-342900">
-              <a:buFont typeface="+mj-lt"/>
-              <a:buAutoNum type="arabicPeriod"/>
-            </a:pPr>
-            <a:r>
-              <a:rPr lang="en-US" dirty="0" smtClean="0"/>
-              <a:t>Only 1 thing to learn.</a:t>
+              <a:t>There are Over 2000</a:t>
+            </a:r>
+            <a:r>
+              <a:rPr lang="en-US" dirty="0"/>
+              <a:t> </a:t>
+            </a:r>
+            <a:r>
+              <a:rPr lang="en-US" dirty="0" smtClean="0"/>
+              <a:t>for different systems</a:t>
+            </a:r>
+            <a:endParaRPr lang="en-US" dirty="0" smtClean="0"/>
+          </a:p>
+          <a:p>
+            <a:r>
+              <a:rPr lang="en-US" dirty="0" smtClean="0"/>
+              <a:t>Benefits:</a:t>
             </a:r>
           </a:p>
           <a:p>
@@ -11802,7 +11537,11 @@
             </a:pPr>
             <a:r>
               <a:rPr lang="en-US" dirty="0" smtClean="0"/>
-              <a:t>Open embedded makes handling dependencies simple.</a:t>
+              <a:t>Open </a:t>
+            </a:r>
+            <a:r>
+              <a:rPr lang="en-US" dirty="0" smtClean="0"/>
+              <a:t>embedded makes handling dependencies simple.</a:t>
             </a:r>
           </a:p>
           <a:p>
@@ -11811,15 +11550,16 @@
               <a:buAutoNum type="arabicPeriod"/>
             </a:pPr>
             <a:r>
-              <a:rPr lang="en-US" dirty="0" smtClean="0"/>
-              <a:t>Upgrading versions of a piece of software is easy</a:t>
-            </a:r>
-          </a:p>
-          <a:p>
-            <a:pPr marL="1084262" lvl="2" indent="-457200"/>
-            <a:r>
-              <a:rPr lang="en-US" dirty="0" smtClean="0"/>
-              <a:t>Don’t want to ship your product with a critical vulnerability included right?</a:t>
+              <a:rPr lang="en-US" dirty="0"/>
+              <a:t>Easy updating or </a:t>
+            </a:r>
+            <a:r>
+              <a:rPr lang="en-US" dirty="0" smtClean="0"/>
+              <a:t>Upgrading</a:t>
+            </a:r>
+            <a:r>
+              <a:rPr lang="en-US" dirty="0" smtClean="0"/>
+              <a:t> software </a:t>
             </a:r>
           </a:p>
           <a:p>
@@ -11829,7 +11569,11 @@
             </a:pPr>
             <a:r>
               <a:rPr lang="en-US" dirty="0" smtClean="0"/>
-              <a:t>Reproducing your entire file system is easy.</a:t>
+              <a:t>Reproducing the </a:t>
+            </a:r>
+            <a:r>
+              <a:rPr lang="en-US" dirty="0" smtClean="0"/>
+              <a:t>entire file system is easy.</a:t>
             </a:r>
           </a:p>
           <a:p>
@@ -11888,631 +11632,7 @@
   <p:timing>
     <p:tnLst>
       <p:par>
-        <p:cTn id="1" dur="indefinite" restart="never" nodeType="tmRoot">
-          <p:childTnLst>
-            <p:seq concurrent="1" nextAc="seek">
-              <p:cTn id="2" dur="indefinite" nodeType="mainSeq">
-                <p:childTnLst>
-                  <p:par>
-                    <p:cTn id="3" fill="hold">
-                      <p:stCondLst>
-                        <p:cond delay="indefinite"/>
-                      </p:stCondLst>
-                      <p:childTnLst>
-                        <p:par>
-                          <p:cTn id="4" fill="hold">
-                            <p:stCondLst>
-                              <p:cond delay="0"/>
-                            </p:stCondLst>
-                            <p:childTnLst>
-                              <p:par>
-                                <p:cTn id="5" presetID="1" presetClass="entr" presetSubtype="0" fill="hold" nodeType="clickEffect">
-                                  <p:stCondLst>
-                                    <p:cond delay="0"/>
-                                  </p:stCondLst>
-                                  <p:childTnLst>
-                                    <p:set>
-                                      <p:cBhvr>
-                                        <p:cTn id="6" dur="1" fill="hold">
-                                          <p:stCondLst>
-                                            <p:cond delay="0"/>
-                                          </p:stCondLst>
-                                        </p:cTn>
-                                        <p:tgtEl>
-                                          <p:spTgt spid="3">
-                                            <p:txEl>
-                                              <p:pRg st="1" end="1"/>
-                                            </p:txEl>
-                                          </p:spTgt>
-                                        </p:tgtEl>
-                                        <p:attrNameLst>
-                                          <p:attrName>style.visibility</p:attrName>
-                                        </p:attrNameLst>
-                                      </p:cBhvr>
-                                      <p:to>
-                                        <p:strVal val="visible"/>
-                                      </p:to>
-                                    </p:set>
-                                  </p:childTnLst>
-                                </p:cTn>
-                              </p:par>
-                            </p:childTnLst>
-                          </p:cTn>
-                        </p:par>
-                      </p:childTnLst>
-                    </p:cTn>
-                  </p:par>
-                  <p:par>
-                    <p:cTn id="7" fill="hold">
-                      <p:stCondLst>
-                        <p:cond delay="indefinite"/>
-                      </p:stCondLst>
-                      <p:childTnLst>
-                        <p:par>
-                          <p:cTn id="8" fill="hold">
-                            <p:stCondLst>
-                              <p:cond delay="0"/>
-                            </p:stCondLst>
-                            <p:childTnLst>
-                              <p:par>
-                                <p:cTn id="9" presetID="1" presetClass="entr" presetSubtype="0" fill="hold" nodeType="clickEffect">
-                                  <p:stCondLst>
-                                    <p:cond delay="0"/>
-                                  </p:stCondLst>
-                                  <p:childTnLst>
-                                    <p:set>
-                                      <p:cBhvr>
-                                        <p:cTn id="10" dur="1" fill="hold">
-                                          <p:stCondLst>
-                                            <p:cond delay="0"/>
-                                          </p:stCondLst>
-                                        </p:cTn>
-                                        <p:tgtEl>
-                                          <p:spTgt spid="3">
-                                            <p:txEl>
-                                              <p:pRg st="2" end="2"/>
-                                            </p:txEl>
-                                          </p:spTgt>
-                                        </p:tgtEl>
-                                        <p:attrNameLst>
-                                          <p:attrName>style.visibility</p:attrName>
-                                        </p:attrNameLst>
-                                      </p:cBhvr>
-                                      <p:to>
-                                        <p:strVal val="visible"/>
-                                      </p:to>
-                                    </p:set>
-                                  </p:childTnLst>
-                                </p:cTn>
-                              </p:par>
-                            </p:childTnLst>
-                          </p:cTn>
-                        </p:par>
-                      </p:childTnLst>
-                    </p:cTn>
-                  </p:par>
-                  <p:par>
-                    <p:cTn id="11" fill="hold">
-                      <p:stCondLst>
-                        <p:cond delay="indefinite"/>
-                      </p:stCondLst>
-                      <p:childTnLst>
-                        <p:par>
-                          <p:cTn id="12" fill="hold">
-                            <p:stCondLst>
-                              <p:cond delay="0"/>
-                            </p:stCondLst>
-                            <p:childTnLst>
-                              <p:par>
-                                <p:cTn id="13" presetID="1" presetClass="entr" presetSubtype="0" fill="hold" nodeType="clickEffect">
-                                  <p:stCondLst>
-                                    <p:cond delay="0"/>
-                                  </p:stCondLst>
-                                  <p:childTnLst>
-                                    <p:set>
-                                      <p:cBhvr>
-                                        <p:cTn id="14" dur="1" fill="hold">
-                                          <p:stCondLst>
-                                            <p:cond delay="0"/>
-                                          </p:stCondLst>
-                                        </p:cTn>
-                                        <p:tgtEl>
-                                          <p:spTgt spid="3">
-                                            <p:txEl>
-                                              <p:pRg st="3" end="3"/>
-                                            </p:txEl>
-                                          </p:spTgt>
-                                        </p:tgtEl>
-                                        <p:attrNameLst>
-                                          <p:attrName>style.visibility</p:attrName>
-                                        </p:attrNameLst>
-                                      </p:cBhvr>
-                                      <p:to>
-                                        <p:strVal val="visible"/>
-                                      </p:to>
-                                    </p:set>
-                                  </p:childTnLst>
-                                </p:cTn>
-                              </p:par>
-                            </p:childTnLst>
-                          </p:cTn>
-                        </p:par>
-                      </p:childTnLst>
-                    </p:cTn>
-                  </p:par>
-                  <p:par>
-                    <p:cTn id="15" fill="hold">
-                      <p:stCondLst>
-                        <p:cond delay="indefinite"/>
-                      </p:stCondLst>
-                      <p:childTnLst>
-                        <p:par>
-                          <p:cTn id="16" fill="hold">
-                            <p:stCondLst>
-                              <p:cond delay="0"/>
-                            </p:stCondLst>
-                            <p:childTnLst>
-                              <p:par>
-                                <p:cTn id="17" presetID="1" presetClass="entr" presetSubtype="0" fill="hold" nodeType="clickEffect">
-                                  <p:stCondLst>
-                                    <p:cond delay="0"/>
-                                  </p:stCondLst>
-                                  <p:childTnLst>
-                                    <p:set>
-                                      <p:cBhvr>
-                                        <p:cTn id="18" dur="1" fill="hold">
-                                          <p:stCondLst>
-                                            <p:cond delay="0"/>
-                                          </p:stCondLst>
-                                        </p:cTn>
-                                        <p:tgtEl>
-                                          <p:spTgt spid="3">
-                                            <p:txEl>
-                                              <p:pRg st="4" end="4"/>
-                                            </p:txEl>
-                                          </p:spTgt>
-                                        </p:tgtEl>
-                                        <p:attrNameLst>
-                                          <p:attrName>style.visibility</p:attrName>
-                                        </p:attrNameLst>
-                                      </p:cBhvr>
-                                      <p:to>
-                                        <p:strVal val="visible"/>
-                                      </p:to>
-                                    </p:set>
-                                  </p:childTnLst>
-                                </p:cTn>
-                              </p:par>
-                              <p:par>
-                                <p:cTn id="19" presetID="1" presetClass="entr" presetSubtype="0" fill="hold" nodeType="withEffect">
-                                  <p:stCondLst>
-                                    <p:cond delay="0"/>
-                                  </p:stCondLst>
-                                  <p:childTnLst>
-                                    <p:set>
-                                      <p:cBhvr>
-                                        <p:cTn id="20" dur="1" fill="hold">
-                                          <p:stCondLst>
-                                            <p:cond delay="0"/>
-                                          </p:stCondLst>
-                                        </p:cTn>
-                                        <p:tgtEl>
-                                          <p:spTgt spid="3">
-                                            <p:txEl>
-                                              <p:pRg st="5" end="5"/>
-                                            </p:txEl>
-                                          </p:spTgt>
-                                        </p:tgtEl>
-                                        <p:attrNameLst>
-                                          <p:attrName>style.visibility</p:attrName>
-                                        </p:attrNameLst>
-                                      </p:cBhvr>
-                                      <p:to>
-                                        <p:strVal val="visible"/>
-                                      </p:to>
-                                    </p:set>
-                                  </p:childTnLst>
-                                </p:cTn>
-                              </p:par>
-                            </p:childTnLst>
-                          </p:cTn>
-                        </p:par>
-                      </p:childTnLst>
-                    </p:cTn>
-                  </p:par>
-                  <p:par>
-                    <p:cTn id="21" fill="hold">
-                      <p:stCondLst>
-                        <p:cond delay="indefinite"/>
-                      </p:stCondLst>
-                      <p:childTnLst>
-                        <p:par>
-                          <p:cTn id="22" fill="hold">
-                            <p:stCondLst>
-                              <p:cond delay="0"/>
-                            </p:stCondLst>
-                            <p:childTnLst>
-                              <p:par>
-                                <p:cTn id="23" presetID="1" presetClass="entr" presetSubtype="0" fill="hold" nodeType="clickEffect">
-                                  <p:stCondLst>
-                                    <p:cond delay="0"/>
-                                  </p:stCondLst>
-                                  <p:childTnLst>
-                                    <p:set>
-                                      <p:cBhvr>
-                                        <p:cTn id="24" dur="1" fill="hold">
-                                          <p:stCondLst>
-                                            <p:cond delay="0"/>
-                                          </p:stCondLst>
-                                        </p:cTn>
-                                        <p:tgtEl>
-                                          <p:spTgt spid="3">
-                                            <p:txEl>
-                                              <p:pRg st="6" end="6"/>
-                                            </p:txEl>
-                                          </p:spTgt>
-                                        </p:tgtEl>
-                                        <p:attrNameLst>
-                                          <p:attrName>style.visibility</p:attrName>
-                                        </p:attrNameLst>
-                                      </p:cBhvr>
-                                      <p:to>
-                                        <p:strVal val="visible"/>
-                                      </p:to>
-                                    </p:set>
-                                  </p:childTnLst>
-                                </p:cTn>
-                              </p:par>
-                            </p:childTnLst>
-                          </p:cTn>
-                        </p:par>
-                      </p:childTnLst>
-                    </p:cTn>
-                  </p:par>
-                  <p:par>
-                    <p:cTn id="25" fill="hold">
-                      <p:stCondLst>
-                        <p:cond delay="indefinite"/>
-                      </p:stCondLst>
-                      <p:childTnLst>
-                        <p:par>
-                          <p:cTn id="26" fill="hold">
-                            <p:stCondLst>
-                              <p:cond delay="0"/>
-                            </p:stCondLst>
-                            <p:childTnLst>
-                              <p:par>
-                                <p:cTn id="27" presetID="1" presetClass="entr" presetSubtype="0" fill="hold" nodeType="clickEffect">
-                                  <p:stCondLst>
-                                    <p:cond delay="0"/>
-                                  </p:stCondLst>
-                                  <p:childTnLst>
-                                    <p:set>
-                                      <p:cBhvr>
-                                        <p:cTn id="28" dur="1" fill="hold">
-                                          <p:stCondLst>
-                                            <p:cond delay="0"/>
-                                          </p:stCondLst>
-                                        </p:cTn>
-                                        <p:tgtEl>
-                                          <p:spTgt spid="3">
-                                            <p:txEl>
-                                              <p:pRg st="7" end="7"/>
-                                            </p:txEl>
-                                          </p:spTgt>
-                                        </p:tgtEl>
-                                        <p:attrNameLst>
-                                          <p:attrName>style.visibility</p:attrName>
-                                        </p:attrNameLst>
-                                      </p:cBhvr>
-                                      <p:to>
-                                        <p:strVal val="visible"/>
-                                      </p:to>
-                                    </p:set>
-                                  </p:childTnLst>
-                                </p:cTn>
-                              </p:par>
-                            </p:childTnLst>
-                          </p:cTn>
-                        </p:par>
-                      </p:childTnLst>
-                    </p:cTn>
-                  </p:par>
-                  <p:par>
-                    <p:cTn id="29" fill="hold">
-                      <p:stCondLst>
-                        <p:cond delay="indefinite"/>
-                      </p:stCondLst>
-                      <p:childTnLst>
-                        <p:par>
-                          <p:cTn id="30" fill="hold">
-                            <p:stCondLst>
-                              <p:cond delay="0"/>
-                            </p:stCondLst>
-                            <p:childTnLst>
-                              <p:par>
-                                <p:cTn id="31" presetID="1" presetClass="entr" presetSubtype="0" fill="hold" nodeType="clickEffect">
-                                  <p:stCondLst>
-                                    <p:cond delay="0"/>
-                                  </p:stCondLst>
-                                  <p:childTnLst>
-                                    <p:set>
-                                      <p:cBhvr>
-                                        <p:cTn id="32" dur="1" fill="hold">
-                                          <p:stCondLst>
-                                            <p:cond delay="0"/>
-                                          </p:stCondLst>
-                                        </p:cTn>
-                                        <p:tgtEl>
-                                          <p:spTgt spid="3">
-                                            <p:txEl>
-                                              <p:pRg st="8" end="8"/>
-                                            </p:txEl>
-                                          </p:spTgt>
-                                        </p:tgtEl>
-                                        <p:attrNameLst>
-                                          <p:attrName>style.visibility</p:attrName>
-                                        </p:attrNameLst>
-                                      </p:cBhvr>
-                                      <p:to>
-                                        <p:strVal val="visible"/>
-                                      </p:to>
-                                    </p:set>
-                                  </p:childTnLst>
-                                </p:cTn>
-                              </p:par>
-                              <p:par>
-                                <p:cTn id="33" presetID="1" presetClass="entr" presetSubtype="0" fill="hold" nodeType="withEffect">
-                                  <p:stCondLst>
-                                    <p:cond delay="0"/>
-                                  </p:stCondLst>
-                                  <p:childTnLst>
-                                    <p:set>
-                                      <p:cBhvr>
-                                        <p:cTn id="34" dur="1" fill="hold">
-                                          <p:stCondLst>
-                                            <p:cond delay="0"/>
-                                          </p:stCondLst>
-                                        </p:cTn>
-                                        <p:tgtEl>
-                                          <p:spTgt spid="3">
-                                            <p:txEl>
-                                              <p:pRg st="9" end="9"/>
-                                            </p:txEl>
-                                          </p:spTgt>
-                                        </p:tgtEl>
-                                        <p:attrNameLst>
-                                          <p:attrName>style.visibility</p:attrName>
-                                        </p:attrNameLst>
-                                      </p:cBhvr>
-                                      <p:to>
-                                        <p:strVal val="visible"/>
-                                      </p:to>
-                                    </p:set>
-                                  </p:childTnLst>
-                                </p:cTn>
-                              </p:par>
-                            </p:childTnLst>
-                          </p:cTn>
-                        </p:par>
-                      </p:childTnLst>
-                    </p:cTn>
-                  </p:par>
-                  <p:par>
-                    <p:cTn id="35" fill="hold">
-                      <p:stCondLst>
-                        <p:cond delay="indefinite"/>
-                      </p:stCondLst>
-                      <p:childTnLst>
-                        <p:par>
-                          <p:cTn id="36" fill="hold">
-                            <p:stCondLst>
-                              <p:cond delay="0"/>
-                            </p:stCondLst>
-                            <p:childTnLst>
-                              <p:par>
-                                <p:cTn id="37" presetID="1" presetClass="entr" presetSubtype="0" fill="hold" nodeType="clickEffect">
-                                  <p:stCondLst>
-                                    <p:cond delay="0"/>
-                                  </p:stCondLst>
-                                  <p:childTnLst>
-                                    <p:set>
-                                      <p:cBhvr>
-                                        <p:cTn id="38" dur="1" fill="hold">
-                                          <p:stCondLst>
-                                            <p:cond delay="0"/>
-                                          </p:stCondLst>
-                                        </p:cTn>
-                                        <p:tgtEl>
-                                          <p:spTgt spid="3">
-                                            <p:txEl>
-                                              <p:pRg st="10" end="10"/>
-                                            </p:txEl>
-                                          </p:spTgt>
-                                        </p:tgtEl>
-                                        <p:attrNameLst>
-                                          <p:attrName>style.visibility</p:attrName>
-                                        </p:attrNameLst>
-                                      </p:cBhvr>
-                                      <p:to>
-                                        <p:strVal val="visible"/>
-                                      </p:to>
-                                    </p:set>
-                                  </p:childTnLst>
-                                </p:cTn>
-                              </p:par>
-                            </p:childTnLst>
-                          </p:cTn>
-                        </p:par>
-                      </p:childTnLst>
-                    </p:cTn>
-                  </p:par>
-                  <p:par>
-                    <p:cTn id="39" fill="hold">
-                      <p:stCondLst>
-                        <p:cond delay="indefinite"/>
-                      </p:stCondLst>
-                      <p:childTnLst>
-                        <p:par>
-                          <p:cTn id="40" fill="hold">
-                            <p:stCondLst>
-                              <p:cond delay="0"/>
-                            </p:stCondLst>
-                            <p:childTnLst>
-                              <p:par>
-                                <p:cTn id="41" presetID="1" presetClass="entr" presetSubtype="0" fill="hold" nodeType="clickEffect">
-                                  <p:stCondLst>
-                                    <p:cond delay="0"/>
-                                  </p:stCondLst>
-                                  <p:childTnLst>
-                                    <p:set>
-                                      <p:cBhvr>
-                                        <p:cTn id="42" dur="1" fill="hold">
-                                          <p:stCondLst>
-                                            <p:cond delay="0"/>
-                                          </p:stCondLst>
-                                        </p:cTn>
-                                        <p:tgtEl>
-                                          <p:spTgt spid="3">
-                                            <p:txEl>
-                                              <p:pRg st="11" end="11"/>
-                                            </p:txEl>
-                                          </p:spTgt>
-                                        </p:tgtEl>
-                                        <p:attrNameLst>
-                                          <p:attrName>style.visibility</p:attrName>
-                                        </p:attrNameLst>
-                                      </p:cBhvr>
-                                      <p:to>
-                                        <p:strVal val="visible"/>
-                                      </p:to>
-                                    </p:set>
-                                  </p:childTnLst>
-                                </p:cTn>
-                              </p:par>
-                            </p:childTnLst>
-                          </p:cTn>
-                        </p:par>
-                      </p:childTnLst>
-                    </p:cTn>
-                  </p:par>
-                  <p:par>
-                    <p:cTn id="43" fill="hold">
-                      <p:stCondLst>
-                        <p:cond delay="indefinite"/>
-                      </p:stCondLst>
-                      <p:childTnLst>
-                        <p:par>
-                          <p:cTn id="44" fill="hold">
-                            <p:stCondLst>
-                              <p:cond delay="0"/>
-                            </p:stCondLst>
-                            <p:childTnLst>
-                              <p:par>
-                                <p:cTn id="45" presetID="1" presetClass="entr" presetSubtype="0" fill="hold" nodeType="clickEffect">
-                                  <p:stCondLst>
-                                    <p:cond delay="0"/>
-                                  </p:stCondLst>
-                                  <p:childTnLst>
-                                    <p:set>
-                                      <p:cBhvr>
-                                        <p:cTn id="46" dur="1" fill="hold">
-                                          <p:stCondLst>
-                                            <p:cond delay="0"/>
-                                          </p:stCondLst>
-                                        </p:cTn>
-                                        <p:tgtEl>
-                                          <p:spTgt spid="3">
-                                            <p:txEl>
-                                              <p:pRg st="12" end="12"/>
-                                            </p:txEl>
-                                          </p:spTgt>
-                                        </p:tgtEl>
-                                        <p:attrNameLst>
-                                          <p:attrName>style.visibility</p:attrName>
-                                        </p:attrNameLst>
-                                      </p:cBhvr>
-                                      <p:to>
-                                        <p:strVal val="visible"/>
-                                      </p:to>
-                                    </p:set>
-                                  </p:childTnLst>
-                                </p:cTn>
-                              </p:par>
-                            </p:childTnLst>
-                          </p:cTn>
-                        </p:par>
-                      </p:childTnLst>
-                    </p:cTn>
-                  </p:par>
-                  <p:par>
-                    <p:cTn id="47" fill="hold">
-                      <p:stCondLst>
-                        <p:cond delay="indefinite"/>
-                      </p:stCondLst>
-                      <p:childTnLst>
-                        <p:par>
-                          <p:cTn id="48" fill="hold">
-                            <p:stCondLst>
-                              <p:cond delay="0"/>
-                            </p:stCondLst>
-                            <p:childTnLst>
-                              <p:par>
-                                <p:cTn id="49" presetID="1" presetClass="entr" presetSubtype="0" fill="hold" nodeType="clickEffect">
-                                  <p:stCondLst>
-                                    <p:cond delay="0"/>
-                                  </p:stCondLst>
-                                  <p:childTnLst>
-                                    <p:set>
-                                      <p:cBhvr>
-                                        <p:cTn id="50" dur="1" fill="hold">
-                                          <p:stCondLst>
-                                            <p:cond delay="0"/>
-                                          </p:stCondLst>
-                                        </p:cTn>
-                                        <p:tgtEl>
-                                          <p:spTgt spid="3">
-                                            <p:txEl>
-                                              <p:pRg st="13" end="13"/>
-                                            </p:txEl>
-                                          </p:spTgt>
-                                        </p:tgtEl>
-                                        <p:attrNameLst>
-                                          <p:attrName>style.visibility</p:attrName>
-                                        </p:attrNameLst>
-                                      </p:cBhvr>
-                                      <p:to>
-                                        <p:strVal val="visible"/>
-                                      </p:to>
-                                    </p:set>
-                                  </p:childTnLst>
-                                </p:cTn>
-                              </p:par>
-                            </p:childTnLst>
-                          </p:cTn>
-                        </p:par>
-                      </p:childTnLst>
-                    </p:cTn>
-                  </p:par>
-                </p:childTnLst>
-              </p:cTn>
-              <p:prevCondLst>
-                <p:cond evt="onPrev" delay="0">
-                  <p:tgtEl>
-                    <p:sldTgt/>
-                  </p:tgtEl>
-                </p:cond>
-              </p:prevCondLst>
-              <p:nextCondLst>
-                <p:cond evt="onNext" delay="0">
-                  <p:tgtEl>
-                    <p:sldTgt/>
-                  </p:tgtEl>
-                </p:cond>
-              </p:nextCondLst>
-            </p:seq>
-          </p:childTnLst>
-        </p:cTn>
+        <p:cTn id="1" dur="indefinite" restart="never" nodeType="tmRoot"/>
       </p:par>
     </p:tnLst>
   </p:timing>
@@ -12554,11 +11674,7 @@
             <a:pPr algn="ctr"/>
             <a:r>
               <a:rPr lang="en-US" dirty="0" smtClean="0"/>
-              <a:t>Compiling </a:t>
-            </a:r>
-            <a:r>
-              <a:rPr lang="en-US" dirty="0" smtClean="0"/>
-              <a:t>a Simple Program</a:t>
+              <a:t>Compiling a Simple Program</a:t>
             </a:r>
             <a:endParaRPr lang="en-US" dirty="0"/>
           </a:p>
@@ -12586,7 +11702,7 @@
           <a:graphicData uri="http://schemas.openxmlformats.org/presentationml/2006/ole">
             <mc:AlternateContent xmlns:mc="http://schemas.openxmlformats.org/markup-compatibility/2006">
               <mc:Choice xmlns:v="urn:schemas-microsoft-com:vml" Requires="v">
-                <p:oleObj spid="_x0000_s3077" name="Visio" r:id="rId3" imgW="7076132" imgH="3906630" progId="Visio.Drawing.11">
+                <p:oleObj spid="_x0000_s3089" name="Visio" r:id="rId3" imgW="7076132" imgH="3906630" progId="Visio.Drawing.11">
                   <p:embed/>
                 </p:oleObj>
               </mc:Choice>
@@ -12676,11 +11792,7 @@
             <a:pPr algn="ctr"/>
             <a:r>
               <a:rPr lang="en-US" dirty="0" smtClean="0"/>
-              <a:t>Compiling </a:t>
-            </a:r>
-            <a:r>
-              <a:rPr lang="en-US" dirty="0" smtClean="0"/>
-              <a:t>a Simple Program</a:t>
+              <a:t>Compiling a Simple Program</a:t>
             </a:r>
             <a:endParaRPr lang="en-US" dirty="0"/>
           </a:p>
@@ -12734,11 +11846,7 @@
             <a:pPr lvl="1"/>
             <a:r>
               <a:rPr lang="en-US" dirty="0" smtClean="0"/>
-              <a:t>arm-linux-gnueabihf-gcc &lt;C sources&gt; -o &lt;executable name</a:t>
-            </a:r>
-            <a:r>
-              <a:rPr lang="en-US" dirty="0" smtClean="0"/>
-              <a:t>&gt;</a:t>
+              <a:t>arm-linux-gnueabihf-gcc &lt;C sources&gt; -o &lt;executable name&gt;</a:t>
             </a:r>
           </a:p>
           <a:p>
@@ -12873,15 +11981,7 @@
                   <a:schemeClr val="tx2"/>
                 </a:solidFill>
               </a:rPr>
-              <a:t>Linux-devkit part of Linux </a:t>
-            </a:r>
-            <a:r>
-              <a:rPr lang="en-US" dirty="0" smtClean="0">
-                <a:solidFill>
-                  <a:schemeClr val="tx2"/>
-                </a:solidFill>
-              </a:rPr>
-              <a:t>SDK</a:t>
+              <a:t>Linux-devkit part of Linux SDK</a:t>
             </a:r>
             <a:endParaRPr lang="en-US" dirty="0">
               <a:solidFill>
@@ -13678,7 +12778,15 @@
           <a:p>
             <a:r>
               <a:rPr lang="en-US" dirty="0" smtClean="0"/>
-              <a:t>Find the name of the library file that you need to link against. Remove lib from </a:t>
+              <a:t>Find the name of the library file </a:t>
+            </a:r>
+            <a:r>
+              <a:rPr lang="en-US" dirty="0" smtClean="0"/>
+              <a:t>that is needed. </a:t>
+            </a:r>
+            <a:r>
+              <a:rPr lang="en-US" dirty="0" smtClean="0"/>
+              <a:t>Remove lib from </a:t>
             </a:r>
             <a:r>
               <a:rPr lang="en-US" dirty="0"/>
@@ -14464,6 +13572,21 @@
 </file>
 
 <file path=customXml/item1.xml><?xml version="1.0" encoding="utf-8"?>
+<?mso-contentType ?>
+<FormTemplates xmlns="http://schemas.microsoft.com/sharepoint/v3/contenttype/forms">
+  <Display>DocumentLibraryForm</Display>
+  <Edit>DocumentLibraryForm</Edit>
+  <New>DocumentLibraryForm</New>
+</FormTemplates>
+</file>
+
+<file path=customXml/item2.xml><?xml version="1.0" encoding="utf-8"?>
+<p:properties xmlns:p="http://schemas.microsoft.com/office/2006/metadata/properties" xmlns:xsi="http://www.w3.org/2001/XMLSchema-instance">
+  <documentManagement/>
+</p:properties>
+</file>
+
+<file path=customXml/item3.xml><?xml version="1.0" encoding="utf-8"?>
 <ct:contentTypeSchema xmlns:ct="http://schemas.microsoft.com/office/2006/metadata/contentType" xmlns:ma="http://schemas.microsoft.com/office/2006/metadata/properties/metaAttributes" ct:_="" ma:_="" ma:contentTypeName="Document" ma:contentTypeID="0x010100BCDF77BE00B08B4383AC38D60969F603" ma:contentTypeVersion="0" ma:contentTypeDescription="Create a new document." ma:contentTypeScope="" ma:versionID="2bc1a1f5e6d67acd8a09c647b1ae8f6c">
   <xsd:schema xmlns:xsd="http://www.w3.org/2001/XMLSchema" xmlns:p="http://schemas.microsoft.com/office/2006/metadata/properties" targetNamespace="http://schemas.microsoft.com/office/2006/metadata/properties" ma:root="true" ma:fieldsID="4aeb20c0e3442673af7ee10786458764">
     <xsd:element name="properties">
@@ -14512,32 +13635,10 @@
 </ct:contentTypeSchema>
 </file>
 
-<file path=customXml/item2.xml><?xml version="1.0" encoding="utf-8"?>
-<p:properties xmlns:p="http://schemas.microsoft.com/office/2006/metadata/properties" xmlns:xsi="http://www.w3.org/2001/XMLSchema-instance">
-  <documentManagement/>
-</p:properties>
-</file>
-
-<file path=customXml/item3.xml><?xml version="1.0" encoding="utf-8"?>
-<?mso-contentType ?>
-<FormTemplates xmlns="http://schemas.microsoft.com/sharepoint/v3/contenttype/forms">
-  <Display>DocumentLibraryForm</Display>
-  <Edit>DocumentLibraryForm</Edit>
-  <New>DocumentLibraryForm</New>
-</FormTemplates>
-</file>
-
 <file path=customXml/itemProps1.xml><?xml version="1.0" encoding="utf-8"?>
-<ds:datastoreItem xmlns:ds="http://schemas.openxmlformats.org/officeDocument/2006/customXml" ds:itemID="{5F24A4ED-C235-44B4-AE5A-3A43C387CD25}">
+<ds:datastoreItem xmlns:ds="http://schemas.openxmlformats.org/officeDocument/2006/customXml" ds:itemID="{653DF1E2-B8E1-483B-840C-2B651EC4B439}">
   <ds:schemaRefs>
-    <ds:schemaRef ds:uri="http://schemas.microsoft.com/office/2006/metadata/contentType"/>
-    <ds:schemaRef ds:uri="http://schemas.microsoft.com/office/2006/metadata/properties/metaAttributes"/>
-    <ds:schemaRef ds:uri="http://www.w3.org/2001/XMLSchema"/>
-    <ds:schemaRef ds:uri="http://schemas.microsoft.com/office/2006/metadata/properties"/>
-    <ds:schemaRef ds:uri="http://schemas.openxmlformats.org/package/2006/metadata/core-properties"/>
-    <ds:schemaRef ds:uri="http://purl.org/dc/elements/1.1/"/>
-    <ds:schemaRef ds:uri="http://purl.org/dc/terms/"/>
-    <ds:schemaRef ds:uri="http://schemas.microsoft.com/office/internal/2005/internalDocumentation"/>
+    <ds:schemaRef ds:uri="http://schemas.microsoft.com/sharepoint/v3/contenttype/forms"/>
   </ds:schemaRefs>
 </ds:datastoreItem>
 </file>
@@ -14557,9 +13658,16 @@
 </file>
 
 <file path=customXml/itemProps3.xml><?xml version="1.0" encoding="utf-8"?>
-<ds:datastoreItem xmlns:ds="http://schemas.openxmlformats.org/officeDocument/2006/customXml" ds:itemID="{653DF1E2-B8E1-483B-840C-2B651EC4B439}">
+<ds:datastoreItem xmlns:ds="http://schemas.openxmlformats.org/officeDocument/2006/customXml" ds:itemID="{5F24A4ED-C235-44B4-AE5A-3A43C387CD25}">
   <ds:schemaRefs>
-    <ds:schemaRef ds:uri="http://schemas.microsoft.com/sharepoint/v3/contenttype/forms"/>
+    <ds:schemaRef ds:uri="http://schemas.microsoft.com/office/2006/metadata/contentType"/>
+    <ds:schemaRef ds:uri="http://schemas.microsoft.com/office/2006/metadata/properties/metaAttributes"/>
+    <ds:schemaRef ds:uri="http://www.w3.org/2001/XMLSchema"/>
+    <ds:schemaRef ds:uri="http://schemas.microsoft.com/office/2006/metadata/properties"/>
+    <ds:schemaRef ds:uri="http://schemas.openxmlformats.org/package/2006/metadata/core-properties"/>
+    <ds:schemaRef ds:uri="http://purl.org/dc/elements/1.1/"/>
+    <ds:schemaRef ds:uri="http://purl.org/dc/terms/"/>
+    <ds:schemaRef ds:uri="http://schemas.microsoft.com/office/internal/2005/internalDocumentation"/>
   </ds:schemaRefs>
 </ds:datastoreItem>
 </file>
--- a/trunk/preliminary/Working/presentations/Sitara/sitara_boot_camp_toolchain_Ran.pptx
+++ b/trunk/preliminary/Working/presentations/Sitara/sitara_boot_camp_toolchain_Ran.pptx
@@ -228,7 +228,7 @@
           <a:p>
             <a:fld id="{46FA11D8-0245-4A1E-A999-586FC4CBFE82}" type="datetimeFigureOut">
               <a:rPr lang="en-US" smtClean="0"/>
-              <a:t>11/3/2014</a:t>
+              <a:t>11/6/2014</a:t>
             </a:fld>
             <a:endParaRPr lang="en-US" dirty="0"/>
           </a:p>
@@ -858,7 +858,7 @@
             <a:fld id="{A4701F91-29EB-40D2-B9D7-8C42FB260373}" type="datetime1">
               <a:rPr lang="en-US" smtClean="0"/>
               <a:pPr/>
-              <a:t>11/3/2014</a:t>
+              <a:t>11/6/2014</a:t>
             </a:fld>
             <a:endParaRPr lang="en-US" dirty="0"/>
           </a:p>
@@ -2303,7 +2303,7 @@
           <a:p>
             <a:fld id="{A6BC3443-6BCB-4C8E-BDD3-0514E26A3F85}" type="datetimeFigureOut">
               <a:rPr lang="en-US" smtClean="0"/>
-              <a:t>11/3/2014</a:t>
+              <a:t>11/6/2014</a:t>
             </a:fld>
             <a:endParaRPr lang="en-US" dirty="0"/>
           </a:p>
@@ -4903,15 +4903,7 @@
             <a:pPr lvl="1"/>
             <a:r>
               <a:rPr lang="en-US" sz="2400" dirty="0" smtClean="0"/>
-              <a:t>Go </a:t>
-            </a:r>
-            <a:r>
-              <a:rPr lang="en-US" sz="2400" dirty="0" smtClean="0"/>
-              <a:t>to SDK’s </a:t>
-            </a:r>
-            <a:r>
-              <a:rPr lang="en-US" sz="2400" dirty="0" smtClean="0"/>
-              <a:t>linux-devkit</a:t>
+              <a:t>Go to SDK’s linux-devkit</a:t>
             </a:r>
           </a:p>
           <a:p>
@@ -4920,7 +4912,6 @@
               <a:rPr lang="en-US" sz="2400" dirty="0" smtClean="0"/>
               <a:t>Modify the file environment-setup if needed</a:t>
             </a:r>
-            <a:endParaRPr lang="en-US" sz="2400" dirty="0" smtClean="0"/>
           </a:p>
           <a:p>
             <a:pPr lvl="1"/>
@@ -6603,47 +6594,19 @@
           <a:p>
             <a:r>
               <a:rPr lang="en-US" dirty="0" smtClean="0"/>
-              <a:t>The compiler must know where to look for libraries and headers. If the user does not </a:t>
-            </a:r>
-            <a:r>
-              <a:rPr lang="en-US" dirty="0" smtClean="0"/>
-              <a:t>specify </a:t>
-            </a:r>
-            <a:r>
-              <a:rPr lang="en-US" dirty="0" smtClean="0"/>
-              <a:t>these paths explicitly, the compiler may find headers and libraries that do not belong to the desired target</a:t>
-            </a:r>
-          </a:p>
-          <a:p>
-            <a:r>
-              <a:rPr lang="en-US" dirty="0" smtClean="0"/>
-              <a:t>Host Contamination – When cross compiling </a:t>
-            </a:r>
-            <a:r>
-              <a:rPr lang="en-US" dirty="0" smtClean="0"/>
-              <a:t>software/compiler  finds and uses </a:t>
-            </a:r>
-            <a:r>
-              <a:rPr lang="en-US" dirty="0" smtClean="0"/>
-              <a:t>headers and libraries that belong to the host</a:t>
-            </a:r>
-          </a:p>
-          <a:p>
-            <a:r>
-              <a:rPr lang="en-US" dirty="0" smtClean="0"/>
-              <a:t>Sysroot – Compiler option that </a:t>
-            </a:r>
-            <a:r>
-              <a:rPr lang="en-US" dirty="0" smtClean="0"/>
-              <a:t>set</a:t>
-            </a:r>
-            <a:r>
-              <a:rPr lang="en-US" dirty="0" smtClean="0"/>
-              <a:t> </a:t>
-            </a:r>
-            <a:r>
-              <a:rPr lang="en-US" dirty="0" smtClean="0"/>
-              <a:t>the compiler’s default search path.</a:t>
+              <a:t>The compiler must know where to look for libraries and headers. If the user does not specify these paths explicitly, the compiler may find headers and libraries that do not belong to the desired target</a:t>
+            </a:r>
+          </a:p>
+          <a:p>
+            <a:r>
+              <a:rPr lang="en-US" dirty="0" smtClean="0"/>
+              <a:t>Host Contamination – When cross compiling software/compiler  finds and uses headers and libraries that belong to the host</a:t>
+            </a:r>
+          </a:p>
+          <a:p>
+            <a:r>
+              <a:rPr lang="en-US" dirty="0" smtClean="0"/>
+              <a:t>Sysroot – Compiler option that set the compiler’s default search path.</a:t>
             </a:r>
             <a:endParaRPr lang="en-US" dirty="0"/>
           </a:p>
@@ -7104,13 +7067,8 @@
             <a:pPr lvl="1"/>
             <a:r>
               <a:rPr lang="en-US" dirty="0" smtClean="0"/>
-              <a:t>Portable – the same code for </a:t>
-            </a:r>
-            <a:r>
-              <a:rPr lang="en-US" dirty="0" smtClean="0"/>
-              <a:t>multiple architectures</a:t>
-            </a:r>
-            <a:endParaRPr lang="en-US" dirty="0" smtClean="0"/>
+              <a:t>Portable – the same code for multiple architectures</a:t>
+            </a:r>
           </a:p>
           <a:p>
             <a:pPr lvl="1"/>
@@ -7122,25 +7080,8 @@
           <a:p>
             <a:r>
               <a:rPr lang="en-US" dirty="0" smtClean="0"/>
-              <a:t>Build Systems – set of tools </a:t>
-            </a:r>
-            <a:r>
-              <a:rPr lang="en-US" dirty="0" smtClean="0"/>
-              <a:t>and</a:t>
-            </a:r>
-            <a:r>
-              <a:rPr lang="en-US" dirty="0" smtClean="0"/>
-              <a:t> </a:t>
-            </a:r>
-            <a:r>
-              <a:rPr lang="en-US" dirty="0" smtClean="0"/>
-              <a:t>scripts used to build and deploy/install applications or </a:t>
-            </a:r>
-            <a:r>
-              <a:rPr lang="en-US" dirty="0" smtClean="0"/>
-              <a:t>libraries on different  architectures</a:t>
-            </a:r>
-            <a:endParaRPr lang="en-US" dirty="0" smtClean="0"/>
+              <a:t>Build Systems – set of tools and scripts used to build and deploy/install applications or libraries on different  architectures</a:t>
+            </a:r>
           </a:p>
           <a:p>
             <a:r>
@@ -7771,25 +7712,8 @@
           <a:p>
             <a:r>
               <a:rPr lang="en-US" dirty="0" smtClean="0"/>
-              <a:t>/configure </a:t>
-            </a:r>
-            <a:r>
-              <a:rPr lang="en-US" dirty="0" smtClean="0"/>
-              <a:t>– Used to determine what compiler your using, supported compiler options, available libraries and </a:t>
-            </a:r>
-            <a:r>
-              <a:rPr lang="en-US" dirty="0" smtClean="0"/>
-              <a:t>allows </a:t>
-            </a:r>
-            <a:r>
-              <a:rPr lang="en-US" dirty="0" smtClean="0"/>
-              <a:t>users to determine which features to </a:t>
-            </a:r>
-            <a:r>
-              <a:rPr lang="en-US" dirty="0" smtClean="0"/>
-              <a:t>use and which features not</a:t>
-            </a:r>
-            <a:endParaRPr lang="en-US" dirty="0" smtClean="0"/>
+              <a:t>/configure – Used to determine what compiler your using, supported compiler options, available libraries and allows users to determine which features to use and which features not</a:t>
+            </a:r>
           </a:p>
           <a:p>
             <a:r>
@@ -8150,11 +8074,7 @@
             <a:pPr algn="ctr"/>
             <a:r>
               <a:rPr lang="en-US" dirty="0" smtClean="0"/>
-              <a:t>Configure GUI make </a:t>
-            </a:r>
-            <a:r>
-              <a:rPr lang="en-US" dirty="0" smtClean="0"/>
-              <a:t>menuconfig</a:t>
+              <a:t>Configure GUI make menuconfig</a:t>
             </a:r>
             <a:endParaRPr lang="en-US" dirty="0"/>
           </a:p>
@@ -8277,11 +8197,7 @@
             <a:pPr algn="ctr"/>
             <a:r>
               <a:rPr lang="en-US" dirty="0" smtClean="0"/>
-              <a:t>Configure GUI make </a:t>
-            </a:r>
-            <a:r>
-              <a:rPr lang="en-US" dirty="0" smtClean="0"/>
-              <a:t>menuconfig</a:t>
+              <a:t>Configure GUI make menuconfig</a:t>
             </a:r>
             <a:endParaRPr lang="en-US" dirty="0"/>
           </a:p>
@@ -8488,19 +8404,7 @@
           <a:p>
             <a:r>
               <a:rPr lang="en-US" dirty="0" smtClean="0"/>
-              <a:t>Then </a:t>
-            </a:r>
-            <a:r>
-              <a:rPr lang="en-US" dirty="0" smtClean="0"/>
-              <a:t>you have to “make </a:t>
-            </a:r>
-            <a:r>
-              <a:rPr lang="en-US" dirty="0" smtClean="0"/>
-              <a:t>oldconfig</a:t>
-            </a:r>
-            <a:r>
-              <a:rPr lang="en-US" dirty="0" smtClean="0"/>
-              <a:t>” again</a:t>
+              <a:t>Then you have to “make oldconfig” again</a:t>
             </a:r>
             <a:endParaRPr lang="en-US" dirty="0"/>
           </a:p>
@@ -8602,21 +8506,8 @@
             </a:r>
             <a:r>
               <a:rPr lang="en-US" dirty="0" smtClean="0"/>
-              <a:t>ross </a:t>
-            </a:r>
-            <a:r>
-              <a:rPr lang="en-US" dirty="0" smtClean="0"/>
-              <a:t>compiling software configure requires </a:t>
-            </a:r>
-            <a:r>
-              <a:rPr lang="en-US" dirty="0" smtClean="0"/>
-              <a:t>some </a:t>
-            </a:r>
-            <a:r>
-              <a:rPr lang="en-US" dirty="0" smtClean="0"/>
-              <a:t>options such as:</a:t>
-            </a:r>
-            <a:endParaRPr lang="en-US" dirty="0" smtClean="0"/>
+              <a:t>ross compiling software configure requires some options such as:</a:t>
+            </a:r>
           </a:p>
           <a:p>
             <a:pPr lvl="1"/>
@@ -8687,11 +8578,7 @@
           <a:p>
             <a:r>
               <a:rPr lang="en-US" dirty="0" smtClean="0"/>
-              <a:t>Environment-setup creates a environment variable with all this information already filled</a:t>
-            </a:r>
-            <a:r>
-              <a:rPr lang="en-US" dirty="0" smtClean="0"/>
-              <a:t>!</a:t>
+              <a:t>Environment-setup creates a environment variable with all this information already filled!</a:t>
             </a:r>
           </a:p>
           <a:p>
@@ -8699,7 +8586,6 @@
               <a:rPr lang="en-US" dirty="0" smtClean="0"/>
               <a:t>And of course, the PATH must be defined (see next slide)</a:t>
             </a:r>
-            <a:endParaRPr lang="en-US" dirty="0" smtClean="0"/>
           </a:p>
           <a:p>
             <a:pPr marL="0" indent="0">
@@ -9956,21 +9842,8 @@
           <a:p>
             <a:r>
               <a:rPr lang="en-US" dirty="0" smtClean="0"/>
-              <a:t>By default auto tools will </a:t>
-            </a:r>
-            <a:r>
-              <a:rPr lang="en-US" dirty="0" smtClean="0"/>
-              <a:t>install libraries and applications </a:t>
-            </a:r>
-            <a:r>
-              <a:rPr lang="en-US" dirty="0" smtClean="0"/>
-              <a:t>on the </a:t>
-            </a:r>
-            <a:r>
-              <a:rPr lang="en-US" dirty="0" smtClean="0"/>
-              <a:t>host in the local directory</a:t>
-            </a:r>
-            <a:endParaRPr lang="en-US" dirty="0" smtClean="0"/>
+              <a:t>By default auto tools will install libraries and applications on the host in the local directory</a:t>
+            </a:r>
           </a:p>
           <a:p>
             <a:r>
@@ -9982,27 +9855,7 @@
           <a:p>
             <a:r>
               <a:rPr lang="en-US" dirty="0" smtClean="0"/>
-              <a:t>Easiest </a:t>
-            </a:r>
-            <a:r>
-              <a:rPr lang="en-US" dirty="0" smtClean="0"/>
-              <a:t>way to accomplish this is by </a:t>
-            </a:r>
-            <a:r>
-              <a:rPr lang="en-US" dirty="0" smtClean="0"/>
-              <a:t>setting</a:t>
-            </a:r>
-            <a:r>
-              <a:rPr lang="en-US" dirty="0" smtClean="0"/>
-              <a:t> </a:t>
-            </a:r>
-            <a:r>
-              <a:rPr lang="en-US" dirty="0" smtClean="0"/>
-              <a:t>the software’s default install </a:t>
-            </a:r>
-            <a:r>
-              <a:rPr lang="en-US" dirty="0" smtClean="0"/>
-              <a:t>location in the auto tools script</a:t>
+              <a:t>Easiest way to accomplish this is by setting the software’s default install location in the auto tools script</a:t>
             </a:r>
             <a:endParaRPr lang="en-US" dirty="0"/>
           </a:p>
@@ -10469,21 +10322,8 @@
           <a:p>
             <a:r>
               <a:rPr lang="en-US" dirty="0" smtClean="0"/>
-              <a:t>By using the configure prefix option you can alter the default location </a:t>
-            </a:r>
-            <a:r>
-              <a:rPr lang="en-US" dirty="0" smtClean="0"/>
-              <a:t>where configure installs </a:t>
-            </a:r>
-            <a:r>
-              <a:rPr lang="en-US" dirty="0" smtClean="0"/>
-              <a:t>libraries and </a:t>
-            </a:r>
-            <a:r>
-              <a:rPr lang="en-US" dirty="0" smtClean="0"/>
-              <a:t>applications.</a:t>
-            </a:r>
-            <a:endParaRPr lang="en-US" dirty="0" smtClean="0"/>
+              <a:t>By using the configure prefix option you can alter the default location where configure installs libraries and applications.</a:t>
+            </a:r>
           </a:p>
           <a:p>
             <a:r>
@@ -10584,7 +10424,6 @@
               <a:rPr lang="en-US" dirty="0" smtClean="0"/>
               <a:t>ynamically linked libraries and headers that are used by applications must be in  the filesystem of the target</a:t>
             </a:r>
-            <a:endParaRPr lang="en-US" dirty="0" smtClean="0"/>
           </a:p>
           <a:p>
             <a:r>
@@ -10595,23 +10434,7 @@
           <a:p>
             <a:r>
               <a:rPr lang="en-US" dirty="0" smtClean="0"/>
-              <a:t>The user must </a:t>
-            </a:r>
-            <a:r>
-              <a:rPr lang="en-US" dirty="0" smtClean="0"/>
-              <a:t>copy </a:t>
-            </a:r>
-            <a:r>
-              <a:rPr lang="en-US" dirty="0" smtClean="0"/>
-              <a:t>the contents of the </a:t>
-            </a:r>
-            <a:r>
-              <a:rPr lang="en-US" dirty="0" smtClean="0"/>
-              <a:t>directory where the libraries and headers are into the file system of the target (either </a:t>
-            </a:r>
-            <a:r>
-              <a:rPr lang="en-US" dirty="0" smtClean="0"/>
-              <a:t>ramfs, or mount or any other file system location)</a:t>
+              <a:t>The user must copy the contents of the directory where the libraries and headers are into the file system of the target (either ramfs, or mount or any other file system location)</a:t>
             </a:r>
           </a:p>
         </p:txBody>
@@ -11118,17 +10941,8 @@
             </a:pPr>
             <a:r>
               <a:rPr lang="en-US" dirty="0" smtClean="0"/>
-              <a:t>Cross compiling </a:t>
-            </a:r>
-            <a:r>
-              <a:rPr lang="en-US" dirty="0" smtClean="0"/>
-              <a:t>problems are when</a:t>
-            </a:r>
-            <a:r>
-              <a:rPr lang="en-US" dirty="0" smtClean="0"/>
-              <a:t>:</a:t>
-            </a:r>
-            <a:endParaRPr lang="en-US" dirty="0" smtClean="0"/>
+              <a:t>Cross compiling problems are when:</a:t>
+            </a:r>
           </a:p>
           <a:p>
             <a:pPr marL="457200" indent="-457200">
@@ -11288,16 +11102,11 @@
               <a:rPr lang="en-US" dirty="0" smtClean="0"/>
               <a:t>Building the executable on the target (The same machine that the code will run on)</a:t>
             </a:r>
-            <a:endParaRPr lang="en-US" dirty="0" smtClean="0"/>
-          </a:p>
-          <a:p>
-            <a:r>
-              <a:rPr lang="en-US" dirty="0" smtClean="0"/>
-              <a:t>Benefits</a:t>
-            </a:r>
-            <a:r>
-              <a:rPr lang="en-US" dirty="0" smtClean="0"/>
-              <a:t>:</a:t>
+          </a:p>
+          <a:p>
+            <a:r>
+              <a:rPr lang="en-US" dirty="0" smtClean="0"/>
+              <a:t>Benefits:</a:t>
             </a:r>
           </a:p>
           <a:p>
@@ -11346,13 +11155,8 @@
             <a:pPr lvl="1"/>
             <a:r>
               <a:rPr lang="en-US" dirty="0" smtClean="0"/>
-              <a:t>Some distributions don’t provide the tool chain so it isn’t an option</a:t>
-            </a:r>
-            <a:r>
-              <a:rPr lang="en-US" dirty="0" smtClean="0"/>
-              <a:t>.</a:t>
-            </a:r>
-            <a:endParaRPr lang="en-US" dirty="0" smtClean="0"/>
+              <a:t>Some distributions don’t provide the tool chain so it isn’t an option.</a:t>
+            </a:r>
           </a:p>
           <a:p>
             <a:pPr lvl="1"/>
@@ -11415,11 +11219,7 @@
             <a:pPr algn="ctr"/>
             <a:r>
               <a:rPr lang="en-US" dirty="0" smtClean="0"/>
-              <a:t>Different</a:t>
-            </a:r>
-            <a:r>
-              <a:rPr lang="en-US" dirty="0" smtClean="0"/>
-              <a:t> Approach – Build your own distribution</a:t>
+              <a:t>Different Approach – Build your own distribution</a:t>
             </a:r>
             <a:endParaRPr lang="en-US" dirty="0"/>
           </a:p>
@@ -11455,23 +11255,7 @@
             </a:r>
             <a:r>
               <a:rPr lang="en-US" dirty="0" smtClean="0"/>
-              <a:t>is </a:t>
-            </a:r>
-            <a:r>
-              <a:rPr lang="en-US" dirty="0" smtClean="0"/>
-              <a:t>used to </a:t>
-            </a:r>
-            <a:r>
-              <a:rPr lang="en-US" dirty="0" smtClean="0"/>
-              <a:t>create </a:t>
-            </a:r>
-            <a:r>
-              <a:rPr lang="en-US" dirty="0" smtClean="0"/>
-              <a:t>distribution file system </a:t>
-            </a:r>
-            <a:r>
-              <a:rPr lang="en-US" dirty="0" smtClean="0"/>
-              <a:t>for any architecture</a:t>
+              <a:t>is used to create distribution file system for any architecture</a:t>
             </a:r>
           </a:p>
           <a:p>
@@ -11522,7 +11306,6 @@
               <a:rPr lang="en-US" dirty="0" smtClean="0"/>
               <a:t>for different systems</a:t>
             </a:r>
-            <a:endParaRPr lang="en-US" dirty="0" smtClean="0"/>
           </a:p>
           <a:p>
             <a:r>
@@ -11537,11 +11320,7 @@
             </a:pPr>
             <a:r>
               <a:rPr lang="en-US" dirty="0" smtClean="0"/>
-              <a:t>Open </a:t>
-            </a:r>
-            <a:r>
-              <a:rPr lang="en-US" dirty="0" smtClean="0"/>
-              <a:t>embedded makes handling dependencies simple.</a:t>
+              <a:t>Open embedded makes handling dependencies simple.</a:t>
             </a:r>
           </a:p>
           <a:p>
@@ -11555,11 +11334,7 @@
             </a:r>
             <a:r>
               <a:rPr lang="en-US" dirty="0" smtClean="0"/>
-              <a:t>Upgrading</a:t>
-            </a:r>
-            <a:r>
-              <a:rPr lang="en-US" dirty="0" smtClean="0"/>
-              <a:t> software </a:t>
+              <a:t>Upgrading software </a:t>
             </a:r>
           </a:p>
           <a:p>
@@ -11569,11 +11344,7 @@
             </a:pPr>
             <a:r>
               <a:rPr lang="en-US" dirty="0" smtClean="0"/>
-              <a:t>Reproducing the </a:t>
-            </a:r>
-            <a:r>
-              <a:rPr lang="en-US" dirty="0" smtClean="0"/>
-              <a:t>entire file system is easy.</a:t>
+              <a:t>Reproducing the entire file system is easy.</a:t>
             </a:r>
           </a:p>
           <a:p>
@@ -11702,7 +11473,7 @@
           <a:graphicData uri="http://schemas.openxmlformats.org/presentationml/2006/ole">
             <mc:AlternateContent xmlns:mc="http://schemas.openxmlformats.org/markup-compatibility/2006">
               <mc:Choice xmlns:v="urn:schemas-microsoft-com:vml" Requires="v">
-                <p:oleObj spid="_x0000_s3089" name="Visio" r:id="rId3" imgW="7076132" imgH="3906630" progId="Visio.Drawing.11">
+                <p:oleObj spid="_x0000_s3090" name="Visio" r:id="rId3" imgW="7076132" imgH="3906630" progId="Visio.Drawing.11">
                   <p:embed/>
                 </p:oleObj>
               </mc:Choice>
@@ -11891,8 +11662,8 @@
         </p:nvSpPr>
         <p:spPr>
           <a:xfrm>
-            <a:off x="533400" y="5334000"/>
-            <a:ext cx="6977295" cy="646331"/>
+            <a:off x="514350" y="5010834"/>
+            <a:ext cx="7943200" cy="923330"/>
           </a:xfrm>
           <a:prstGeom prst="rect">
             <a:avLst/>
@@ -11909,11 +11680,45 @@
           <a:p>
             <a:r>
               <a:rPr lang="en-US" dirty="0"/>
-              <a:t>Sitara Tool Chain is part of “Linux Development Kit” or Linux-devkit</a:t>
-            </a:r>
-          </a:p>
-          <a:p>
-            <a:endParaRPr lang="en-US" dirty="0"/>
+              <a:t>Sitara Tool Chain is part of “Linux Development Kit” or </a:t>
+            </a:r>
+            <a:r>
+              <a:rPr lang="en-US" dirty="0" smtClean="0"/>
+              <a:t>Linux-devkit</a:t>
+            </a:r>
+          </a:p>
+          <a:p>
+            <a:r>
+              <a:rPr lang="en-US" dirty="0">
+                <a:hlinkClick r:id="rId2"/>
+              </a:rPr>
+              <a:t>http://</a:t>
+            </a:r>
+            <a:r>
+              <a:rPr lang="en-US" dirty="0" smtClean="0">
+                <a:hlinkClick r:id="rId2"/>
+              </a:rPr>
+              <a:t>downloads.ti.com/sitara_linux/esd/AM335xSDK/latest/index_FDS.html</a:t>
+            </a:r>
+            <a:endParaRPr lang="en-US" dirty="0" smtClean="0"/>
+          </a:p>
+          <a:p>
+            <a:r>
+              <a:rPr lang="en-US" dirty="0">
+                <a:hlinkClick r:id="rId3"/>
+              </a:rPr>
+              <a:t>http://</a:t>
+            </a:r>
+            <a:r>
+              <a:rPr lang="en-US" dirty="0" smtClean="0">
+                <a:hlinkClick r:id="rId3"/>
+              </a:rPr>
+              <a:t>software-dl.ti.com/sitara_linux/esd/AM437xSDK/latest/index_FDS.html</a:t>
+            </a:r>
+            <a:r>
+              <a:rPr lang="en-US" dirty="0" smtClean="0"/>
+              <a:t> </a:t>
+            </a:r>
           </a:p>
         </p:txBody>
       </p:sp>
@@ -12778,15 +12583,7 @@
           <a:p>
             <a:r>
               <a:rPr lang="en-US" dirty="0" smtClean="0"/>
-              <a:t>Find the name of the library file </a:t>
-            </a:r>
-            <a:r>
-              <a:rPr lang="en-US" dirty="0" smtClean="0"/>
-              <a:t>that is needed. </a:t>
-            </a:r>
-            <a:r>
-              <a:rPr lang="en-US" dirty="0" smtClean="0"/>
-              <a:t>Remove lib from </a:t>
+              <a:t>Find the name of the library file that is needed. Remove lib from </a:t>
             </a:r>
             <a:r>
               <a:rPr lang="en-US" dirty="0"/>
@@ -13572,21 +13369,6 @@
 </file>
 
 <file path=customXml/item1.xml><?xml version="1.0" encoding="utf-8"?>
-<?mso-contentType ?>
-<FormTemplates xmlns="http://schemas.microsoft.com/sharepoint/v3/contenttype/forms">
-  <Display>DocumentLibraryForm</Display>
-  <Edit>DocumentLibraryForm</Edit>
-  <New>DocumentLibraryForm</New>
-</FormTemplates>
-</file>
-
-<file path=customXml/item2.xml><?xml version="1.0" encoding="utf-8"?>
-<p:properties xmlns:p="http://schemas.microsoft.com/office/2006/metadata/properties" xmlns:xsi="http://www.w3.org/2001/XMLSchema-instance">
-  <documentManagement/>
-</p:properties>
-</file>
-
-<file path=customXml/item3.xml><?xml version="1.0" encoding="utf-8"?>
 <ct:contentTypeSchema xmlns:ct="http://schemas.microsoft.com/office/2006/metadata/contentType" xmlns:ma="http://schemas.microsoft.com/office/2006/metadata/properties/metaAttributes" ct:_="" ma:_="" ma:contentTypeName="Document" ma:contentTypeID="0x010100BCDF77BE00B08B4383AC38D60969F603" ma:contentTypeVersion="0" ma:contentTypeDescription="Create a new document." ma:contentTypeScope="" ma:versionID="2bc1a1f5e6d67acd8a09c647b1ae8f6c">
   <xsd:schema xmlns:xsd="http://www.w3.org/2001/XMLSchema" xmlns:p="http://schemas.microsoft.com/office/2006/metadata/properties" targetNamespace="http://schemas.microsoft.com/office/2006/metadata/properties" ma:root="true" ma:fieldsID="4aeb20c0e3442673af7ee10786458764">
     <xsd:element name="properties">
@@ -13635,10 +13417,32 @@
 </ct:contentTypeSchema>
 </file>
 
+<file path=customXml/item2.xml><?xml version="1.0" encoding="utf-8"?>
+<p:properties xmlns:p="http://schemas.microsoft.com/office/2006/metadata/properties" xmlns:xsi="http://www.w3.org/2001/XMLSchema-instance">
+  <documentManagement/>
+</p:properties>
+</file>
+
+<file path=customXml/item3.xml><?xml version="1.0" encoding="utf-8"?>
+<?mso-contentType ?>
+<FormTemplates xmlns="http://schemas.microsoft.com/sharepoint/v3/contenttype/forms">
+  <Display>DocumentLibraryForm</Display>
+  <Edit>DocumentLibraryForm</Edit>
+  <New>DocumentLibraryForm</New>
+</FormTemplates>
+</file>
+
 <file path=customXml/itemProps1.xml><?xml version="1.0" encoding="utf-8"?>
-<ds:datastoreItem xmlns:ds="http://schemas.openxmlformats.org/officeDocument/2006/customXml" ds:itemID="{653DF1E2-B8E1-483B-840C-2B651EC4B439}">
+<ds:datastoreItem xmlns:ds="http://schemas.openxmlformats.org/officeDocument/2006/customXml" ds:itemID="{5F24A4ED-C235-44B4-AE5A-3A43C387CD25}">
   <ds:schemaRefs>
-    <ds:schemaRef ds:uri="http://schemas.microsoft.com/sharepoint/v3/contenttype/forms"/>
+    <ds:schemaRef ds:uri="http://schemas.microsoft.com/office/2006/metadata/contentType"/>
+    <ds:schemaRef ds:uri="http://schemas.microsoft.com/office/2006/metadata/properties/metaAttributes"/>
+    <ds:schemaRef ds:uri="http://www.w3.org/2001/XMLSchema"/>
+    <ds:schemaRef ds:uri="http://schemas.microsoft.com/office/2006/metadata/properties"/>
+    <ds:schemaRef ds:uri="http://schemas.openxmlformats.org/package/2006/metadata/core-properties"/>
+    <ds:schemaRef ds:uri="http://purl.org/dc/elements/1.1/"/>
+    <ds:schemaRef ds:uri="http://purl.org/dc/terms/"/>
+    <ds:schemaRef ds:uri="http://schemas.microsoft.com/office/internal/2005/internalDocumentation"/>
   </ds:schemaRefs>
 </ds:datastoreItem>
 </file>
@@ -13658,16 +13462,9 @@
 </file>
 
 <file path=customXml/itemProps3.xml><?xml version="1.0" encoding="utf-8"?>
-<ds:datastoreItem xmlns:ds="http://schemas.openxmlformats.org/officeDocument/2006/customXml" ds:itemID="{5F24A4ED-C235-44B4-AE5A-3A43C387CD25}">
+<ds:datastoreItem xmlns:ds="http://schemas.openxmlformats.org/officeDocument/2006/customXml" ds:itemID="{653DF1E2-B8E1-483B-840C-2B651EC4B439}">
   <ds:schemaRefs>
-    <ds:schemaRef ds:uri="http://schemas.microsoft.com/office/2006/metadata/contentType"/>
-    <ds:schemaRef ds:uri="http://schemas.microsoft.com/office/2006/metadata/properties/metaAttributes"/>
-    <ds:schemaRef ds:uri="http://www.w3.org/2001/XMLSchema"/>
-    <ds:schemaRef ds:uri="http://schemas.microsoft.com/office/2006/metadata/properties"/>
-    <ds:schemaRef ds:uri="http://schemas.openxmlformats.org/package/2006/metadata/core-properties"/>
-    <ds:schemaRef ds:uri="http://purl.org/dc/elements/1.1/"/>
-    <ds:schemaRef ds:uri="http://purl.org/dc/terms/"/>
-    <ds:schemaRef ds:uri="http://schemas.microsoft.com/office/internal/2005/internalDocumentation"/>
+    <ds:schemaRef ds:uri="http://schemas.microsoft.com/sharepoint/v3/contenttype/forms"/>
   </ds:schemaRefs>
 </ds:datastoreItem>
 </file>